--- a/slides/Tag-3_3-Container-Registry.pptx
+++ b/slides/Tag-3_3-Container-Registry.pptx
@@ -2551,7 +2551,7 @@
               <a:pPr algn="ctr">
                 <a:defRPr/>
               </a:pPr>
-              <a:t>06.06.2024</a:t>
+              <a:t>07.06.2024</a:t>
             </a:fld>
             <a:endParaRPr lang="de-DE" sz="1000">
               <a:solidFill>
@@ -13705,7 +13705,7 @@
             </a:pPr>
             <a:r>
               <a:rPr lang="de-DE" dirty="0"/>
-              <a:t>Falls Images von Docker Hub gezogen werden</a:t>
+              <a:t>Falls Images von Docker Hub</a:t>
             </a:r>
           </a:p>
           <a:p>
@@ -13723,8 +13723,13 @@
             </a:r>
             <a:r>
               <a:rPr lang="de-DE" sz="1800" dirty="0"/>
-              <a:t>“ und beschleunigt die Pipelines</a:t>
-            </a:r>
+              <a:t>“ und </a:t>
+            </a:r>
+            <a:r>
+              <a:rPr lang="de-DE" sz="1800"/>
+              <a:t>beschleunigt Pipelines</a:t>
+            </a:r>
+            <a:endParaRPr lang="de-DE" sz="1800" dirty="0"/>
           </a:p>
           <a:p>
             <a:pPr>

--- a/slides/Tag-3_3-Container-Registry.pptx
+++ b/slides/Tag-3_3-Container-Registry.pptx
@@ -12,9 +12,9 @@
     <p:handoutMasterId r:id="rId38"/>
   </p:handoutMasterIdLst>
   <p:sldIdLst>
-    <p:sldId id="288" r:id="rId3"/>
-    <p:sldId id="289" r:id="rId4"/>
-    <p:sldId id="291" r:id="rId5"/>
+    <p:sldId id="624" r:id="rId3"/>
+    <p:sldId id="606" r:id="rId4"/>
+    <p:sldId id="726" r:id="rId5"/>
     <p:sldId id="597" r:id="rId6"/>
     <p:sldId id="692" r:id="rId7"/>
     <p:sldId id="691" r:id="rId8"/>
@@ -997,19 +997,7 @@
           <a:bodyPr/>
           <a:lstStyle/>
           <a:p>
-            <a:r>
-              <a:rPr lang="de-DE" dirty="0"/>
-              <a:t>Was ist Docker und woher stammt die Idee? (grob)</a:t>
-            </a:r>
-          </a:p>
-          <a:p>
             <a:endParaRPr lang="de-DE" dirty="0"/>
-          </a:p>
-          <a:p>
-            <a:r>
-              <a:rPr lang="de-DE" dirty="0"/>
-              <a:t>Nächste Folie für eine (lustige) Aufklärung.</a:t>
-            </a:r>
           </a:p>
         </p:txBody>
       </p:sp>
@@ -1031,7 +1019,7 @@
             <a:fld id="{18182567-388C-4D33-8B7B-A651F195F118}" type="slidenum">
               <a:rPr lang="de-DE" altLang="de-DE" smtClean="0"/>
               <a:pPr/>
-              <a:t>5</a:t>
+              <a:t>1</a:t>
             </a:fld>
             <a:endParaRPr lang="de-DE" altLang="de-DE"/>
           </a:p>
@@ -1040,7 +1028,7 @@
     </p:spTree>
     <p:extLst>
       <p:ext uri="{BB962C8B-B14F-4D97-AF65-F5344CB8AC3E}">
-        <p14:creationId xmlns:p14="http://schemas.microsoft.com/office/powerpoint/2010/main" val="4013221184"/>
+        <p14:creationId xmlns:p14="http://schemas.microsoft.com/office/powerpoint/2010/main" val="983849172"/>
       </p:ext>
     </p:extLst>
   </p:cSld>
@@ -1107,15 +1095,6 @@
               <a:t>“.</a:t>
             </a:r>
           </a:p>
-          <a:p>
-            <a:endParaRPr lang="de-DE" dirty="0"/>
-          </a:p>
-          <a:p>
-            <a:r>
-              <a:rPr lang="de-DE" dirty="0"/>
-              <a:t>Hier sieht man auch mal den Speicherverbrau des Images ganz gut.</a:t>
-            </a:r>
-          </a:p>
         </p:txBody>
       </p:sp>
       <p:sp>
@@ -1136,7 +1115,7 @@
             <a:fld id="{18182567-388C-4D33-8B7B-A651F195F118}" type="slidenum">
               <a:rPr lang="de-DE" altLang="de-DE" smtClean="0"/>
               <a:pPr/>
-              <a:t>23</a:t>
+              <a:t>22</a:t>
             </a:fld>
             <a:endParaRPr lang="de-DE" altLang="de-DE"/>
           </a:p>
@@ -1145,7 +1124,7 @@
     </p:spTree>
     <p:extLst>
       <p:ext uri="{BB962C8B-B14F-4D97-AF65-F5344CB8AC3E}">
-        <p14:creationId xmlns:p14="http://schemas.microsoft.com/office/powerpoint/2010/main" val="3792026032"/>
+        <p14:creationId xmlns:p14="http://schemas.microsoft.com/office/powerpoint/2010/main" val="1441243538"/>
       </p:ext>
     </p:extLst>
   </p:cSld>
@@ -1199,7 +1178,27 @@
           <a:bodyPr/>
           <a:lstStyle/>
           <a:p>
+            <a:r>
+              <a:rPr lang="de-DE" dirty="0"/>
+              <a:t>Dort werden dann die gesamten Tags aufgelistet. Wir haben aktuell nur ein einziges Tag und das ist „</a:t>
+            </a:r>
+            <a:r>
+              <a:rPr lang="de-DE" dirty="0" err="1"/>
+              <a:t>latest</a:t>
+            </a:r>
+            <a:r>
+              <a:rPr lang="de-DE" dirty="0"/>
+              <a:t>“.</a:t>
+            </a:r>
+          </a:p>
+          <a:p>
             <a:endParaRPr lang="de-DE" dirty="0"/>
+          </a:p>
+          <a:p>
+            <a:r>
+              <a:rPr lang="de-DE" dirty="0"/>
+              <a:t>Hier sieht man auch mal den Speicherverbrau des Images ganz gut.</a:t>
+            </a:r>
           </a:p>
         </p:txBody>
       </p:sp>
@@ -1221,6 +1220,91 @@
             <a:fld id="{18182567-388C-4D33-8B7B-A651F195F118}" type="slidenum">
               <a:rPr lang="de-DE" altLang="de-DE" smtClean="0"/>
               <a:pPr/>
+              <a:t>23</a:t>
+            </a:fld>
+            <a:endParaRPr lang="de-DE" altLang="de-DE"/>
+          </a:p>
+        </p:txBody>
+      </p:sp>
+    </p:spTree>
+    <p:extLst>
+      <p:ext uri="{BB962C8B-B14F-4D97-AF65-F5344CB8AC3E}">
+        <p14:creationId xmlns:p14="http://schemas.microsoft.com/office/powerpoint/2010/main" val="3792026032"/>
+      </p:ext>
+    </p:extLst>
+  </p:cSld>
+  <p:clrMapOvr>
+    <a:masterClrMapping/>
+  </p:clrMapOvr>
+</p:notes>
+</file>
+
+<file path=ppt/notesSlides/notesSlide12.xml><?xml version="1.0" encoding="utf-8"?>
+<p:notes xmlns:a="http://schemas.openxmlformats.org/drawingml/2006/main" xmlns:r="http://schemas.openxmlformats.org/officeDocument/2006/relationships" xmlns:p="http://schemas.openxmlformats.org/presentationml/2006/main">
+  <p:cSld>
+    <p:spTree>
+      <p:nvGrpSpPr>
+        <p:cNvPr id="1" name=""/>
+        <p:cNvGrpSpPr/>
+        <p:nvPr/>
+      </p:nvGrpSpPr>
+      <p:grpSpPr>
+        <a:xfrm>
+          <a:off x="0" y="0"/>
+          <a:ext cx="0" cy="0"/>
+          <a:chOff x="0" y="0"/>
+          <a:chExt cx="0" cy="0"/>
+        </a:xfrm>
+      </p:grpSpPr>
+      <p:sp>
+        <p:nvSpPr>
+          <p:cNvPr id="2" name="Folienbildplatzhalter 1"/>
+          <p:cNvSpPr>
+            <a:spLocks noGrp="1" noRot="1" noChangeAspect="1"/>
+          </p:cNvSpPr>
+          <p:nvPr>
+            <p:ph type="sldImg"/>
+          </p:nvPr>
+        </p:nvSpPr>
+        <p:spPr/>
+      </p:sp>
+      <p:sp>
+        <p:nvSpPr>
+          <p:cNvPr id="3" name="Notizenplatzhalter 2"/>
+          <p:cNvSpPr>
+            <a:spLocks noGrp="1"/>
+          </p:cNvSpPr>
+          <p:nvPr>
+            <p:ph type="body" idx="1"/>
+          </p:nvPr>
+        </p:nvSpPr>
+        <p:spPr/>
+        <p:txBody>
+          <a:bodyPr/>
+          <a:lstStyle/>
+          <a:p>
+            <a:endParaRPr lang="de-DE" dirty="0"/>
+          </a:p>
+        </p:txBody>
+      </p:sp>
+      <p:sp>
+        <p:nvSpPr>
+          <p:cNvPr id="4" name="Foliennummernplatzhalter 3"/>
+          <p:cNvSpPr>
+            <a:spLocks noGrp="1"/>
+          </p:cNvSpPr>
+          <p:nvPr>
+            <p:ph type="sldNum" sz="quarter" idx="5"/>
+          </p:nvPr>
+        </p:nvSpPr>
+        <p:spPr/>
+        <p:txBody>
+          <a:bodyPr/>
+          <a:lstStyle/>
+          <a:p>
+            <a:fld id="{18182567-388C-4D33-8B7B-A651F195F118}" type="slidenum">
+              <a:rPr lang="de-DE" altLang="de-DE" smtClean="0"/>
+              <a:pPr/>
               <a:t>29</a:t>
             </a:fld>
             <a:endParaRPr lang="de-DE" altLang="de-DE"/>
@@ -1240,7 +1324,7 @@
 </p:notes>
 </file>
 
-<file path=ppt/notesSlides/notesSlide12.xml><?xml version="1.0" encoding="utf-8"?>
+<file path=ppt/notesSlides/notesSlide13.xml><?xml version="1.0" encoding="utf-8"?>
 <p:notes xmlns:a="http://schemas.openxmlformats.org/drawingml/2006/main" xmlns:r="http://schemas.openxmlformats.org/officeDocument/2006/relationships" xmlns:p="http://schemas.openxmlformats.org/presentationml/2006/main">
   <p:cSld>
     <p:spTree>
@@ -1417,7 +1501,19 @@
           <a:bodyPr/>
           <a:lstStyle/>
           <a:p>
+            <a:r>
+              <a:rPr lang="de-DE" dirty="0"/>
+              <a:t>Was ist Docker und woher stammt die Idee? (grob)</a:t>
+            </a:r>
+          </a:p>
+          <a:p>
             <a:endParaRPr lang="de-DE" dirty="0"/>
+          </a:p>
+          <a:p>
+            <a:r>
+              <a:rPr lang="de-DE" dirty="0"/>
+              <a:t>Nächste Folie für eine (lustige) Aufklärung.</a:t>
+            </a:r>
           </a:p>
         </p:txBody>
       </p:sp>
@@ -1439,7 +1535,7 @@
             <a:fld id="{18182567-388C-4D33-8B7B-A651F195F118}" type="slidenum">
               <a:rPr lang="de-DE" altLang="de-DE" smtClean="0"/>
               <a:pPr/>
-              <a:t>6</a:t>
+              <a:t>5</a:t>
             </a:fld>
             <a:endParaRPr lang="de-DE" altLang="de-DE"/>
           </a:p>
@@ -1448,7 +1544,7 @@
     </p:spTree>
     <p:extLst>
       <p:ext uri="{BB962C8B-B14F-4D97-AF65-F5344CB8AC3E}">
-        <p14:creationId xmlns:p14="http://schemas.microsoft.com/office/powerpoint/2010/main" val="2402252895"/>
+        <p14:creationId xmlns:p14="http://schemas.microsoft.com/office/powerpoint/2010/main" val="4013221184"/>
       </p:ext>
     </p:extLst>
   </p:cSld>
@@ -1502,10 +1598,7 @@
           <a:bodyPr/>
           <a:lstStyle/>
           <a:p>
-            <a:r>
-              <a:rPr lang="de-DE" dirty="0"/>
-              <a:t>Container Registry = Repository für Images.</a:t>
-            </a:r>
+            <a:endParaRPr lang="de-DE" dirty="0"/>
           </a:p>
         </p:txBody>
       </p:sp>
@@ -1527,7 +1620,7 @@
             <a:fld id="{18182567-388C-4D33-8B7B-A651F195F118}" type="slidenum">
               <a:rPr lang="de-DE" altLang="de-DE" smtClean="0"/>
               <a:pPr/>
-              <a:t>7</a:t>
+              <a:t>6</a:t>
             </a:fld>
             <a:endParaRPr lang="de-DE" altLang="de-DE"/>
           </a:p>
@@ -1536,7 +1629,7 @@
     </p:spTree>
     <p:extLst>
       <p:ext uri="{BB962C8B-B14F-4D97-AF65-F5344CB8AC3E}">
-        <p14:creationId xmlns:p14="http://schemas.microsoft.com/office/powerpoint/2010/main" val="1706881889"/>
+        <p14:creationId xmlns:p14="http://schemas.microsoft.com/office/powerpoint/2010/main" val="2402252895"/>
       </p:ext>
     </p:extLst>
   </p:cSld>
@@ -1590,7 +1683,10 @@
           <a:bodyPr/>
           <a:lstStyle/>
           <a:p>
-            <a:endParaRPr lang="de-DE" dirty="0"/>
+            <a:r>
+              <a:rPr lang="de-DE" dirty="0"/>
+              <a:t>Container Registry = Repository für Images.</a:t>
+            </a:r>
           </a:p>
         </p:txBody>
       </p:sp>
@@ -1612,7 +1708,7 @@
             <a:fld id="{18182567-388C-4D33-8B7B-A651F195F118}" type="slidenum">
               <a:rPr lang="de-DE" altLang="de-DE" smtClean="0"/>
               <a:pPr/>
-              <a:t>8</a:t>
+              <a:t>7</a:t>
             </a:fld>
             <a:endParaRPr lang="de-DE" altLang="de-DE"/>
           </a:p>
@@ -1621,7 +1717,7 @@
     </p:spTree>
     <p:extLst>
       <p:ext uri="{BB962C8B-B14F-4D97-AF65-F5344CB8AC3E}">
-        <p14:creationId xmlns:p14="http://schemas.microsoft.com/office/powerpoint/2010/main" val="524574607"/>
+        <p14:creationId xmlns:p14="http://schemas.microsoft.com/office/powerpoint/2010/main" val="1706881889"/>
       </p:ext>
     </p:extLst>
   </p:cSld>
@@ -1697,7 +1793,7 @@
             <a:fld id="{18182567-388C-4D33-8B7B-A651F195F118}" type="slidenum">
               <a:rPr lang="de-DE" altLang="de-DE" smtClean="0"/>
               <a:pPr/>
-              <a:t>9</a:t>
+              <a:t>8</a:t>
             </a:fld>
             <a:endParaRPr lang="de-DE" altLang="de-DE"/>
           </a:p>
@@ -1706,7 +1802,7 @@
     </p:spTree>
     <p:extLst>
       <p:ext uri="{BB962C8B-B14F-4D97-AF65-F5344CB8AC3E}">
-        <p14:creationId xmlns:p14="http://schemas.microsoft.com/office/powerpoint/2010/main" val="1529000904"/>
+        <p14:creationId xmlns:p14="http://schemas.microsoft.com/office/powerpoint/2010/main" val="524574607"/>
       </p:ext>
     </p:extLst>
   </p:cSld>
@@ -1782,7 +1878,7 @@
             <a:fld id="{18182567-388C-4D33-8B7B-A651F195F118}" type="slidenum">
               <a:rPr lang="de-DE" altLang="de-DE" smtClean="0"/>
               <a:pPr/>
-              <a:t>11</a:t>
+              <a:t>9</a:t>
             </a:fld>
             <a:endParaRPr lang="de-DE" altLang="de-DE"/>
           </a:p>
@@ -1791,7 +1887,7 @@
     </p:spTree>
     <p:extLst>
       <p:ext uri="{BB962C8B-B14F-4D97-AF65-F5344CB8AC3E}">
-        <p14:creationId xmlns:p14="http://schemas.microsoft.com/office/powerpoint/2010/main" val="905316358"/>
+        <p14:creationId xmlns:p14="http://schemas.microsoft.com/office/powerpoint/2010/main" val="1529000904"/>
       </p:ext>
     </p:extLst>
   </p:cSld>
@@ -1867,7 +1963,7 @@
             <a:fld id="{18182567-388C-4D33-8B7B-A651F195F118}" type="slidenum">
               <a:rPr lang="de-DE" altLang="de-DE" smtClean="0"/>
               <a:pPr/>
-              <a:t>13</a:t>
+              <a:t>11</a:t>
             </a:fld>
             <a:endParaRPr lang="de-DE" altLang="de-DE"/>
           </a:p>
@@ -1876,7 +1972,7 @@
     </p:spTree>
     <p:extLst>
       <p:ext uri="{BB962C8B-B14F-4D97-AF65-F5344CB8AC3E}">
-        <p14:creationId xmlns:p14="http://schemas.microsoft.com/office/powerpoint/2010/main" val="1001069917"/>
+        <p14:creationId xmlns:p14="http://schemas.microsoft.com/office/powerpoint/2010/main" val="905316358"/>
       </p:ext>
     </p:extLst>
   </p:cSld>
@@ -1930,16 +2026,7 @@
           <a:bodyPr/>
           <a:lstStyle/>
           <a:p>
-            <a:r>
-              <a:rPr lang="de-DE" dirty="0"/>
-              <a:t>Hier könnte man auch ein schlankeres Image (alpine?) verwenden. Könnte.</a:t>
-            </a:r>
-          </a:p>
-          <a:p>
-            <a:r>
-              <a:rPr lang="de-DE" dirty="0"/>
-              <a:t>Das Learning bzgl. der Image-Größen ist allerdings wichtig.</a:t>
-            </a:r>
+            <a:endParaRPr lang="de-DE" dirty="0"/>
           </a:p>
         </p:txBody>
       </p:sp>
@@ -1961,7 +2048,7 @@
             <a:fld id="{18182567-388C-4D33-8B7B-A651F195F118}" type="slidenum">
               <a:rPr lang="de-DE" altLang="de-DE" smtClean="0"/>
               <a:pPr/>
-              <a:t>16</a:t>
+              <a:t>13</a:t>
             </a:fld>
             <a:endParaRPr lang="de-DE" altLang="de-DE"/>
           </a:p>
@@ -1970,7 +2057,7 @@
     </p:spTree>
     <p:extLst>
       <p:ext uri="{BB962C8B-B14F-4D97-AF65-F5344CB8AC3E}">
-        <p14:creationId xmlns:p14="http://schemas.microsoft.com/office/powerpoint/2010/main" val="3568015380"/>
+        <p14:creationId xmlns:p14="http://schemas.microsoft.com/office/powerpoint/2010/main" val="1001069917"/>
       </p:ext>
     </p:extLst>
   </p:cSld>
@@ -2026,15 +2113,13 @@
           <a:p>
             <a:r>
               <a:rPr lang="de-DE" dirty="0"/>
-              <a:t>Dort werden dann die gesamten Tags aufgelistet. Wir haben aktuell nur ein einziges Tag und das ist „</a:t>
-            </a:r>
-            <a:r>
-              <a:rPr lang="de-DE" dirty="0" err="1"/>
-              <a:t>latest</a:t>
-            </a:r>
-            <a:r>
-              <a:rPr lang="de-DE" dirty="0"/>
-              <a:t>“.</a:t>
+              <a:t>Hier könnte man auch ein schlankeres Image (alpine?) verwenden. Könnte.</a:t>
+            </a:r>
+          </a:p>
+          <a:p>
+            <a:r>
+              <a:rPr lang="de-DE" dirty="0"/>
+              <a:t>Das Learning bzgl. der Image-Größen ist allerdings wichtig.</a:t>
             </a:r>
           </a:p>
         </p:txBody>
@@ -2057,7 +2142,7 @@
             <a:fld id="{18182567-388C-4D33-8B7B-A651F195F118}" type="slidenum">
               <a:rPr lang="de-DE" altLang="de-DE" smtClean="0"/>
               <a:pPr/>
-              <a:t>22</a:t>
+              <a:t>16</a:t>
             </a:fld>
             <a:endParaRPr lang="de-DE" altLang="de-DE"/>
           </a:p>
@@ -2066,7 +2151,7 @@
     </p:spTree>
     <p:extLst>
       <p:ext uri="{BB962C8B-B14F-4D97-AF65-F5344CB8AC3E}">
-        <p14:creationId xmlns:p14="http://schemas.microsoft.com/office/powerpoint/2010/main" val="1441243538"/>
+        <p14:creationId xmlns:p14="http://schemas.microsoft.com/office/powerpoint/2010/main" val="3568015380"/>
       </p:ext>
     </p:extLst>
   </p:cSld>
@@ -2551,7 +2636,7 @@
               <a:pPr algn="ctr">
                 <a:defRPr/>
               </a:pPr>
-              <a:t>07.06.2024</a:t>
+              <a:t>10.06.2024</a:t>
             </a:fld>
             <a:endParaRPr lang="de-DE" sz="1000">
               <a:solidFill>
@@ -2914,7 +2999,7 @@
                 </a:solidFill>
                 <a:latin typeface="Arial" charset="0"/>
               </a:rPr>
-              <a:t>&lt;Autor&gt;</a:t>
+              <a:t>Daniel Krämer &amp; Malte Fischer</a:t>
             </a:r>
           </a:p>
         </p:txBody>
@@ -2936,7 +3021,7 @@
         <p:spPr bwMode="auto">
           <a:xfrm>
             <a:off x="4252913" y="6424613"/>
-            <a:ext cx="2121093" cy="246221"/>
+            <a:ext cx="2390398" cy="246221"/>
           </a:xfrm>
           <a:prstGeom prst="rect">
             <a:avLst/>
@@ -2966,7 +3051,7 @@
                 </a:solidFill>
                 <a:latin typeface="Arial" charset="0"/>
               </a:rPr>
-              <a:t>Tag-3_2_2-Container-Registry.ppt</a:t>
+              <a:t>Tag-3_3-Container-Registry_Light.pptx</a:t>
             </a:r>
             <a:endParaRPr lang="de-DE" dirty="0">
               <a:solidFill>
@@ -4520,7 +4605,7 @@
         <p:spPr bwMode="auto">
           <a:xfrm>
             <a:off x="468313" y="2562225"/>
-            <a:ext cx="4967287" cy="938213"/>
+            <a:ext cx="5471839" cy="938213"/>
           </a:xfrm>
           <a:prstGeom prst="rect">
             <a:avLst/>
@@ -4553,15 +4638,22 @@
             <a:pPr algn="l" eaLnBrk="1" hangingPunct="1"/>
             <a:r>
               <a:rPr lang="de-DE" altLang="de-DE" sz="3200" dirty="0"/>
-              <a:t>Tag 3: Docker, </a:t>
+              <a:t>Tag 3: </a:t>
             </a:r>
             <a:r>
               <a:rPr lang="de-DE" altLang="de-DE" sz="3200" dirty="0" err="1"/>
-              <a:t>GitLab</a:t>
+              <a:t>GitOps</a:t>
             </a:r>
             <a:r>
               <a:rPr lang="de-DE" altLang="de-DE" sz="3200" dirty="0"/>
-              <a:t> CI &amp; </a:t>
+              <a:t>,</a:t>
+            </a:r>
+            <a:br>
+              <a:rPr lang="de-DE" altLang="de-DE" sz="3200" dirty="0"/>
+            </a:br>
+            <a:r>
+              <a:rPr lang="de-DE" altLang="de-DE" sz="3200" dirty="0"/>
+              <a:t>Docker in der Entwicklung und </a:t>
             </a:r>
             <a:r>
               <a:rPr lang="de-DE" altLang="de-DE" sz="3200" dirty="0" err="1"/>
@@ -4592,8 +4684,8 @@
         </p:nvSpPr>
         <p:spPr bwMode="auto">
           <a:xfrm>
-            <a:off x="468313" y="4462463"/>
-            <a:ext cx="2159000" cy="622300"/>
+            <a:off x="468312" y="4462463"/>
+            <a:ext cx="4190603" cy="622300"/>
           </a:xfrm>
           <a:prstGeom prst="rect">
             <a:avLst/>
@@ -4628,8 +4720,8 @@
               <a:buNone/>
             </a:pPr>
             <a:r>
-              <a:rPr lang="de-DE" altLang="de-DE" sz="1600"/>
-              <a:t>&lt;Datum, Autor&gt;</a:t>
+              <a:rPr lang="de-DE" altLang="de-DE" sz="1600" dirty="0"/>
+              <a:t>19.06.2024, Daniel Krämer &amp; Malte Fischer</a:t>
             </a:r>
           </a:p>
         </p:txBody>
@@ -4782,18 +4874,54 @@
           </a:lstStyle>
           <a:p>
             <a:pPr eaLnBrk="1" hangingPunct="1"/>
-            <a:r>
-              <a:rPr lang="de-DE" altLang="de-DE" sz="4400">
-                <a:solidFill>
-                  <a:schemeClr val="tx2"/>
-                </a:solidFill>
-                <a:latin typeface="Arial" panose="020B0604020202020204" pitchFamily="34" charset="0"/>
-              </a:rPr>
-              <a:t>&lt;Kundenlogo&gt;</a:t>
-            </a:r>
+            <a:endParaRPr lang="de-DE" altLang="de-DE" sz="4400" dirty="0">
+              <a:solidFill>
+                <a:schemeClr val="tx2"/>
+              </a:solidFill>
+              <a:latin typeface="Arial" panose="020B0604020202020204" pitchFamily="34" charset="0"/>
+            </a:endParaRPr>
           </a:p>
         </p:txBody>
       </p:sp>
+      <p:pic>
+        <p:nvPicPr>
+          <p:cNvPr id="3" name="Grafik 2">
+            <a:extLst>
+              <a:ext uri="{FF2B5EF4-FFF2-40B4-BE49-F238E27FC236}">
+                <a16:creationId xmlns:a16="http://schemas.microsoft.com/office/drawing/2014/main" id="{F795EC6A-86ED-78D6-3916-EC81E8315965}"/>
+              </a:ext>
+            </a:extLst>
+          </p:cNvPr>
+          <p:cNvPicPr>
+            <a:picLocks noChangeAspect="1"/>
+          </p:cNvPicPr>
+          <p:nvPr/>
+        </p:nvPicPr>
+        <p:blipFill>
+          <a:blip r:embed="rId3">
+            <a:extLst>
+              <a:ext uri="{28A0092B-C50C-407E-A947-70E740481C1C}">
+                <a14:useLocalDpi xmlns:a14="http://schemas.microsoft.com/office/drawing/2010/main" val="0"/>
+              </a:ext>
+              <a:ext uri="{96DAC541-7B7A-43D3-8B79-37D633B846F1}">
+                <asvg:svgBlip xmlns:asvg="http://schemas.microsoft.com/office/drawing/2016/SVG/main" r:embed="rId4"/>
+              </a:ext>
+            </a:extLst>
+          </a:blip>
+          <a:stretch>
+            <a:fillRect/>
+          </a:stretch>
+        </p:blipFill>
+        <p:spPr>
+          <a:xfrm>
+            <a:off x="309959" y="263970"/>
+            <a:ext cx="4348957" cy="1508822"/>
+          </a:xfrm>
+          <a:prstGeom prst="rect">
+            <a:avLst/>
+          </a:prstGeom>
+        </p:spPr>
+      </p:pic>
     </p:spTree>
   </p:cSld>
   <p:clrMapOvr>
@@ -7403,13 +7531,6 @@
               <a:buFont typeface="Arial" panose="020B0604020202020204" pitchFamily="34" charset="0"/>
               <a:buChar char="•"/>
             </a:pPr>
-            <a:endParaRPr lang="de-DE" altLang="de-DE" sz="1800" b="1" dirty="0"/>
-          </a:p>
-          <a:p>
-            <a:pPr>
-              <a:buFont typeface="Arial" panose="020B0604020202020204" pitchFamily="34" charset="0"/>
-              <a:buChar char="•"/>
-            </a:pPr>
             <a:r>
               <a:rPr lang="de-DE" altLang="de-DE" sz="1800" b="1" dirty="0"/>
               <a:t>Tag 1 – Einführung in </a:t>
@@ -7462,15 +7583,37 @@
               <a:rPr lang="de-DE" altLang="de-DE" sz="1400" dirty="0" err="1"/>
               <a:t>Git</a:t>
             </a:r>
+            <a:endParaRPr lang="de-DE" altLang="de-DE" sz="1400" dirty="0"/>
+          </a:p>
+          <a:p>
+            <a:pPr lvl="1">
+              <a:buFont typeface="Arial" panose="020B0604020202020204" pitchFamily="34" charset="0"/>
+              <a:buChar char="•"/>
+            </a:pPr>
+            <a:r>
+              <a:rPr lang="de-DE" altLang="de-DE" sz="1400" dirty="0" err="1"/>
+              <a:t>Git</a:t>
+            </a:r>
+            <a:r>
+              <a:rPr lang="de-DE" altLang="de-DE" sz="1400" dirty="0"/>
+              <a:t> </a:t>
+            </a:r>
+            <a:r>
+              <a:rPr lang="de-DE" altLang="de-DE" sz="1400" dirty="0" err="1"/>
+              <a:t>Rebase</a:t>
+            </a:r>
             <a:r>
               <a:rPr lang="de-DE" altLang="de-DE" sz="1400" dirty="0"/>
               <a:t> und </a:t>
             </a:r>
             <a:r>
               <a:rPr lang="de-DE" altLang="de-DE" sz="1400" dirty="0" err="1"/>
-              <a:t>GitLab</a:t>
-            </a:r>
-            <a:endParaRPr lang="de-DE" altLang="de-DE" sz="1400" dirty="0"/>
+              <a:t>Merge</a:t>
+            </a:r>
+            <a:r>
+              <a:rPr lang="de-DE" altLang="de-DE" sz="1400" dirty="0"/>
+              <a:t>-Strategien</a:t>
+            </a:r>
           </a:p>
           <a:p>
             <a:pPr lvl="1">
@@ -7483,24 +7626,23 @@
             </a:r>
             <a:r>
               <a:rPr lang="de-DE" altLang="de-DE" sz="1400" dirty="0"/>
-              <a:t> </a:t>
+              <a:t> Remote</a:t>
+            </a:r>
+          </a:p>
+          <a:p>
+            <a:pPr lvl="1">
+              <a:buFont typeface="Arial" panose="020B0604020202020204" pitchFamily="34" charset="0"/>
+              <a:buChar char="•"/>
+            </a:pPr>
+            <a:r>
+              <a:rPr lang="de-DE" altLang="de-DE" sz="1400" dirty="0"/>
+              <a:t>Grundlagen von </a:t>
             </a:r>
             <a:r>
               <a:rPr lang="de-DE" altLang="de-DE" sz="1400" dirty="0" err="1"/>
-              <a:t>Rebase</a:t>
-            </a:r>
-            <a:r>
-              <a:rPr lang="de-DE" altLang="de-DE" sz="1400" dirty="0"/>
-              <a:t> &amp; </a:t>
-            </a:r>
-            <a:r>
-              <a:rPr lang="de-DE" altLang="de-DE" sz="1400" dirty="0" err="1"/>
-              <a:t>Merge</a:t>
-            </a:r>
-            <a:r>
-              <a:rPr lang="de-DE" altLang="de-DE" sz="1400" dirty="0"/>
-              <a:t>-Strategien</a:t>
-            </a:r>
+              <a:t>GitLab</a:t>
+            </a:r>
+            <a:endParaRPr lang="de-DE" altLang="de-DE" sz="1400" dirty="0"/>
           </a:p>
           <a:p>
             <a:pPr lvl="1">
@@ -7517,13 +7659,6 @@
             </a:r>
           </a:p>
           <a:p>
-            <a:pPr lvl="1">
-              <a:buFont typeface="Arial" panose="020B0604020202020204" pitchFamily="34" charset="0"/>
-              <a:buChar char="•"/>
-            </a:pPr>
-            <a:endParaRPr lang="de-DE" altLang="de-DE" sz="1400" dirty="0"/>
-          </a:p>
-          <a:p>
             <a:pPr>
               <a:buFont typeface="Arial" panose="020B0604020202020204" pitchFamily="34" charset="0"/>
               <a:buChar char="•"/>
@@ -7542,9 +7677,12 @@
             </a:r>
             <a:r>
               <a:rPr lang="de-DE" altLang="de-DE" sz="1800" b="1" dirty="0" err="1"/>
-              <a:t>GitOps</a:t>
-            </a:r>
-            <a:endParaRPr lang="de-DE" altLang="de-DE" sz="1800" b="1" dirty="0"/>
+              <a:t>GitLab</a:t>
+            </a:r>
+            <a:r>
+              <a:rPr lang="de-DE" altLang="de-DE" sz="1800" b="1" dirty="0"/>
+              <a:t> CI </a:t>
+            </a:r>
           </a:p>
           <a:p>
             <a:pPr lvl="1">
@@ -7576,6 +7714,20 @@
               <a:buChar char="•"/>
             </a:pPr>
             <a:r>
+              <a:rPr lang="de-DE" altLang="de-DE" sz="1400" dirty="0" err="1"/>
+              <a:t>GitLab</a:t>
+            </a:r>
+            <a:r>
+              <a:rPr lang="de-DE" altLang="de-DE" sz="1400" dirty="0"/>
+              <a:t>-Runner</a:t>
+            </a:r>
+          </a:p>
+          <a:p>
+            <a:pPr lvl="1">
+              <a:buFont typeface="Arial" panose="020B0604020202020204" pitchFamily="34" charset="0"/>
+              <a:buChar char="•"/>
+            </a:pPr>
+            <a:r>
               <a:rPr lang="de-DE" altLang="de-DE" sz="1400" dirty="0"/>
               <a:t>Einführung in </a:t>
             </a:r>
@@ -7594,51 +7746,43 @@
             <a:endParaRPr lang="de-DE" altLang="de-DE" sz="1400" dirty="0"/>
           </a:p>
           <a:p>
+            <a:pPr>
+              <a:buFont typeface="Arial" panose="020B0604020202020204" pitchFamily="34" charset="0"/>
+              <a:buChar char="•"/>
+            </a:pPr>
+            <a:r>
+              <a:rPr lang="de-DE" altLang="de-DE" sz="1800" b="1" dirty="0"/>
+              <a:t>Tag 3 – </a:t>
+            </a:r>
+            <a:r>
+              <a:rPr lang="de-DE" altLang="de-DE" sz="1800" b="1" dirty="0" err="1"/>
+              <a:t>GitOps</a:t>
+            </a:r>
+            <a:r>
+              <a:rPr lang="de-DE" altLang="de-DE" sz="1800" b="1" dirty="0"/>
+              <a:t>, Docker in der Entwicklung und </a:t>
+            </a:r>
+            <a:r>
+              <a:rPr lang="de-DE" altLang="de-DE" sz="1800" b="1" dirty="0" err="1"/>
+              <a:t>Deployment</a:t>
+            </a:r>
+            <a:r>
+              <a:rPr lang="de-DE" altLang="de-DE" sz="1800" b="1" dirty="0"/>
+              <a:t>-Strategien</a:t>
+            </a:r>
+          </a:p>
+          <a:p>
             <a:pPr lvl="1">
               <a:buFont typeface="Arial" panose="020B0604020202020204" pitchFamily="34" charset="0"/>
               <a:buChar char="•"/>
             </a:pPr>
-            <a:r>
-              <a:rPr lang="de-DE" altLang="de-DE" sz="1400" dirty="0"/>
-              <a:t>Grundlagen von </a:t>
-            </a:r>
             <a:r>
               <a:rPr lang="de-DE" altLang="de-DE" sz="1400" dirty="0" err="1"/>
               <a:t>GitOps</a:t>
             </a:r>
-            <a:endParaRPr lang="de-DE" altLang="de-DE" sz="1400" dirty="0"/>
-          </a:p>
-          <a:p>
-            <a:pPr lvl="1">
-              <a:buFont typeface="Arial" panose="020B0604020202020204" pitchFamily="34" charset="0"/>
-              <a:buChar char="•"/>
-            </a:pPr>
-            <a:endParaRPr lang="de-DE" altLang="de-DE" sz="1400" dirty="0"/>
-          </a:p>
-          <a:p>
-            <a:pPr>
-              <a:buFont typeface="Arial" panose="020B0604020202020204" pitchFamily="34" charset="0"/>
-              <a:buChar char="•"/>
-            </a:pPr>
-            <a:r>
-              <a:rPr lang="de-DE" altLang="de-DE" sz="1800" b="1" dirty="0"/>
-              <a:t>Tag 3 – Docker in der Entwicklung, </a:t>
-            </a:r>
-            <a:r>
-              <a:rPr lang="de-DE" altLang="de-DE" sz="1800" b="1" dirty="0" err="1"/>
-              <a:t>GitLab</a:t>
-            </a:r>
-            <a:r>
-              <a:rPr lang="de-DE" altLang="de-DE" sz="1800" b="1" dirty="0"/>
-              <a:t> CI und </a:t>
-            </a:r>
-            <a:r>
-              <a:rPr lang="de-DE" altLang="de-DE" sz="1800" b="1" dirty="0" err="1"/>
-              <a:t>Deployment</a:t>
-            </a:r>
-            <a:r>
-              <a:rPr lang="de-DE" altLang="de-DE" sz="1800" b="1" dirty="0"/>
-              <a:t>-Strategien</a:t>
+            <a:r>
+              <a:rPr lang="de-DE" altLang="de-DE" sz="1400" dirty="0"/>
+              <a:t> Grundlagen</a:t>
             </a:r>
           </a:p>
           <a:p>
@@ -7657,12 +7801,8 @@
               <a:buChar char="•"/>
             </a:pPr>
             <a:r>
-              <a:rPr lang="de-DE" altLang="de-DE" sz="1400" dirty="0" err="1"/>
-              <a:t>GitLab</a:t>
-            </a:r>
-            <a:r>
               <a:rPr lang="de-DE" altLang="de-DE" sz="1400" dirty="0"/>
-              <a:t>-Runner &amp; Docker-Registry</a:t>
+              <a:t>Container/Docker-Registry</a:t>
             </a:r>
           </a:p>
           <a:p>
@@ -7699,6 +7839,16 @@
             <a:r>
               <a:rPr lang="de-DE" altLang="de-DE" sz="1400" dirty="0"/>
               <a:t> &amp; Verwaltung von Konfiguration</a:t>
+            </a:r>
+          </a:p>
+          <a:p>
+            <a:pPr lvl="1">
+              <a:buFont typeface="Arial" panose="020B0604020202020204" pitchFamily="34" charset="0"/>
+              <a:buChar char="•"/>
+            </a:pPr>
+            <a:r>
+              <a:rPr lang="de-DE" altLang="de-DE" sz="1400" dirty="0"/>
+              <a:t>Abschlussübung &amp; Diskussion</a:t>
             </a:r>
           </a:p>
           <a:p>
@@ -9581,13 +9731,6 @@
               <a:buFont typeface="Arial" panose="020B0604020202020204" pitchFamily="34" charset="0"/>
               <a:buChar char="•"/>
             </a:pPr>
-            <a:endParaRPr lang="de-DE" altLang="de-DE" sz="1800" b="1" dirty="0"/>
-          </a:p>
-          <a:p>
-            <a:pPr>
-              <a:buFont typeface="Arial" panose="020B0604020202020204" pitchFamily="34" charset="0"/>
-              <a:buChar char="•"/>
-            </a:pPr>
             <a:r>
               <a:rPr lang="de-DE" altLang="de-DE" sz="1800" b="1" dirty="0"/>
               <a:t>Tag 1 – Einführung in </a:t>
@@ -9640,15 +9783,37 @@
               <a:rPr lang="de-DE" altLang="de-DE" sz="1400" dirty="0" err="1"/>
               <a:t>Git</a:t>
             </a:r>
+            <a:endParaRPr lang="de-DE" altLang="de-DE" sz="1400" dirty="0"/>
+          </a:p>
+          <a:p>
+            <a:pPr lvl="1">
+              <a:buFont typeface="Arial" panose="020B0604020202020204" pitchFamily="34" charset="0"/>
+              <a:buChar char="•"/>
+            </a:pPr>
+            <a:r>
+              <a:rPr lang="de-DE" altLang="de-DE" sz="1400" dirty="0" err="1"/>
+              <a:t>Git</a:t>
+            </a:r>
+            <a:r>
+              <a:rPr lang="de-DE" altLang="de-DE" sz="1400" dirty="0"/>
+              <a:t> </a:t>
+            </a:r>
+            <a:r>
+              <a:rPr lang="de-DE" altLang="de-DE" sz="1400" dirty="0" err="1"/>
+              <a:t>Rebase</a:t>
+            </a:r>
             <a:r>
               <a:rPr lang="de-DE" altLang="de-DE" sz="1400" dirty="0"/>
               <a:t> und </a:t>
             </a:r>
             <a:r>
               <a:rPr lang="de-DE" altLang="de-DE" sz="1400" dirty="0" err="1"/>
-              <a:t>GitLab</a:t>
-            </a:r>
-            <a:endParaRPr lang="de-DE" altLang="de-DE" sz="1400" dirty="0"/>
+              <a:t>Merge</a:t>
+            </a:r>
+            <a:r>
+              <a:rPr lang="de-DE" altLang="de-DE" sz="1400" dirty="0"/>
+              <a:t>-Strategien</a:t>
+            </a:r>
           </a:p>
           <a:p>
             <a:pPr lvl="1">
@@ -9661,24 +9826,23 @@
             </a:r>
             <a:r>
               <a:rPr lang="de-DE" altLang="de-DE" sz="1400" dirty="0"/>
-              <a:t> </a:t>
+              <a:t> Remote</a:t>
+            </a:r>
+          </a:p>
+          <a:p>
+            <a:pPr lvl="1">
+              <a:buFont typeface="Arial" panose="020B0604020202020204" pitchFamily="34" charset="0"/>
+              <a:buChar char="•"/>
+            </a:pPr>
+            <a:r>
+              <a:rPr lang="de-DE" altLang="de-DE" sz="1400" dirty="0"/>
+              <a:t>Grundlagen von </a:t>
             </a:r>
             <a:r>
               <a:rPr lang="de-DE" altLang="de-DE" sz="1400" dirty="0" err="1"/>
-              <a:t>Rebase</a:t>
-            </a:r>
-            <a:r>
-              <a:rPr lang="de-DE" altLang="de-DE" sz="1400" dirty="0"/>
-              <a:t> &amp; </a:t>
-            </a:r>
-            <a:r>
-              <a:rPr lang="de-DE" altLang="de-DE" sz="1400" dirty="0" err="1"/>
-              <a:t>Merge</a:t>
-            </a:r>
-            <a:r>
-              <a:rPr lang="de-DE" altLang="de-DE" sz="1400" dirty="0"/>
-              <a:t>-Strategien</a:t>
-            </a:r>
+              <a:t>GitLab</a:t>
+            </a:r>
+            <a:endParaRPr lang="de-DE" altLang="de-DE" sz="1400" dirty="0"/>
           </a:p>
           <a:p>
             <a:pPr lvl="1">
@@ -9695,13 +9859,6 @@
             </a:r>
           </a:p>
           <a:p>
-            <a:pPr lvl="1">
-              <a:buFont typeface="Arial" panose="020B0604020202020204" pitchFamily="34" charset="0"/>
-              <a:buChar char="•"/>
-            </a:pPr>
-            <a:endParaRPr lang="de-DE" altLang="de-DE" sz="1400" dirty="0"/>
-          </a:p>
-          <a:p>
             <a:pPr>
               <a:buFont typeface="Arial" panose="020B0604020202020204" pitchFamily="34" charset="0"/>
               <a:buChar char="•"/>
@@ -9720,9 +9877,12 @@
             </a:r>
             <a:r>
               <a:rPr lang="de-DE" altLang="de-DE" sz="1800" b="1" dirty="0" err="1"/>
-              <a:t>GitOps</a:t>
-            </a:r>
-            <a:endParaRPr lang="de-DE" altLang="de-DE" sz="1800" b="1" dirty="0"/>
+              <a:t>GitLab</a:t>
+            </a:r>
+            <a:r>
+              <a:rPr lang="de-DE" altLang="de-DE" sz="1800" b="1" dirty="0"/>
+              <a:t> CI </a:t>
+            </a:r>
           </a:p>
           <a:p>
             <a:pPr lvl="1">
@@ -9754,6 +9914,20 @@
               <a:buChar char="•"/>
             </a:pPr>
             <a:r>
+              <a:rPr lang="de-DE" altLang="de-DE" sz="1400" dirty="0" err="1"/>
+              <a:t>GitLab</a:t>
+            </a:r>
+            <a:r>
+              <a:rPr lang="de-DE" altLang="de-DE" sz="1400" dirty="0"/>
+              <a:t>-Runner</a:t>
+            </a:r>
+          </a:p>
+          <a:p>
+            <a:pPr lvl="1">
+              <a:buFont typeface="Arial" panose="020B0604020202020204" pitchFamily="34" charset="0"/>
+              <a:buChar char="•"/>
+            </a:pPr>
+            <a:r>
               <a:rPr lang="de-DE" altLang="de-DE" sz="1400" dirty="0"/>
               <a:t>Einführung in </a:t>
             </a:r>
@@ -9772,51 +9946,43 @@
             <a:endParaRPr lang="de-DE" altLang="de-DE" sz="1400" dirty="0"/>
           </a:p>
           <a:p>
+            <a:pPr>
+              <a:buFont typeface="Arial" panose="020B0604020202020204" pitchFamily="34" charset="0"/>
+              <a:buChar char="•"/>
+            </a:pPr>
+            <a:r>
+              <a:rPr lang="de-DE" altLang="de-DE" sz="1800" b="1" dirty="0"/>
+              <a:t>Tag 3 – </a:t>
+            </a:r>
+            <a:r>
+              <a:rPr lang="de-DE" altLang="de-DE" sz="1800" b="1" dirty="0" err="1"/>
+              <a:t>GitOps</a:t>
+            </a:r>
+            <a:r>
+              <a:rPr lang="de-DE" altLang="de-DE" sz="1800" b="1" dirty="0"/>
+              <a:t>, Docker in der Entwicklung und </a:t>
+            </a:r>
+            <a:r>
+              <a:rPr lang="de-DE" altLang="de-DE" sz="1800" b="1" dirty="0" err="1"/>
+              <a:t>Deployment</a:t>
+            </a:r>
+            <a:r>
+              <a:rPr lang="de-DE" altLang="de-DE" sz="1800" b="1" dirty="0"/>
+              <a:t>-Strategien</a:t>
+            </a:r>
+          </a:p>
+          <a:p>
             <a:pPr lvl="1">
               <a:buFont typeface="Arial" panose="020B0604020202020204" pitchFamily="34" charset="0"/>
               <a:buChar char="•"/>
             </a:pPr>
-            <a:r>
-              <a:rPr lang="de-DE" altLang="de-DE" sz="1400" dirty="0"/>
-              <a:t>Grundlagen von </a:t>
-            </a:r>
             <a:r>
               <a:rPr lang="de-DE" altLang="de-DE" sz="1400" dirty="0" err="1"/>
               <a:t>GitOps</a:t>
             </a:r>
-            <a:endParaRPr lang="de-DE" altLang="de-DE" sz="1400" dirty="0"/>
-          </a:p>
-          <a:p>
-            <a:pPr lvl="1">
-              <a:buFont typeface="Arial" panose="020B0604020202020204" pitchFamily="34" charset="0"/>
-              <a:buChar char="•"/>
-            </a:pPr>
-            <a:endParaRPr lang="de-DE" altLang="de-DE" sz="1400" dirty="0"/>
-          </a:p>
-          <a:p>
-            <a:pPr>
-              <a:buFont typeface="Arial" panose="020B0604020202020204" pitchFamily="34" charset="0"/>
-              <a:buChar char="•"/>
-            </a:pPr>
-            <a:r>
-              <a:rPr lang="de-DE" altLang="de-DE" sz="1800" b="1" dirty="0"/>
-              <a:t>Tag 3 – Docker in der Entwicklung, </a:t>
-            </a:r>
-            <a:r>
-              <a:rPr lang="de-DE" altLang="de-DE" sz="1800" b="1" dirty="0" err="1"/>
-              <a:t>GitLab</a:t>
-            </a:r>
-            <a:r>
-              <a:rPr lang="de-DE" altLang="de-DE" sz="1800" b="1" dirty="0"/>
-              <a:t> CI und </a:t>
-            </a:r>
-            <a:r>
-              <a:rPr lang="de-DE" altLang="de-DE" sz="1800" b="1" dirty="0" err="1"/>
-              <a:t>Deployment</a:t>
-            </a:r>
-            <a:r>
-              <a:rPr lang="de-DE" altLang="de-DE" sz="1800" b="1" dirty="0"/>
-              <a:t>-Strategien</a:t>
+            <a:r>
+              <a:rPr lang="de-DE" altLang="de-DE" sz="1400" dirty="0"/>
+              <a:t> Grundlagen</a:t>
             </a:r>
           </a:p>
           <a:p>
@@ -9835,12 +10001,8 @@
               <a:buChar char="•"/>
             </a:pPr>
             <a:r>
-              <a:rPr lang="de-DE" altLang="de-DE" sz="1400" u="sng" dirty="0" err="1"/>
-              <a:t>GitLab</a:t>
-            </a:r>
-            <a:r>
               <a:rPr lang="de-DE" altLang="de-DE" sz="1400" u="sng" dirty="0"/>
-              <a:t>-Runner &amp; Docker-Registry</a:t>
+              <a:t>Container/Docker-Registry</a:t>
             </a:r>
           </a:p>
           <a:p>
@@ -9857,7 +10019,7 @@
               <a:t>Tagged</a:t>
             </a:r>
             <a:r>
-              <a:rPr lang="de-DE" altLang="de-DE" sz="1400"/>
+              <a:rPr lang="de-DE" altLang="de-DE" sz="1400" dirty="0"/>
               <a:t>-Images</a:t>
             </a:r>
           </a:p>
@@ -9867,12 +10029,8 @@
               <a:buChar char="•"/>
             </a:pPr>
             <a:r>
-              <a:rPr lang="de-DE" altLang="de-DE" sz="1400"/>
-              <a:t>Möglichkeiten </a:t>
-            </a:r>
-            <a:r>
               <a:rPr lang="de-DE" altLang="de-DE" sz="1400" dirty="0"/>
-              <a:t>des </a:t>
+              <a:t>Möglichkeiten des </a:t>
             </a:r>
             <a:r>
               <a:rPr lang="de-DE" altLang="de-DE" sz="1400" dirty="0" err="1"/>
@@ -9881,6 +10039,16 @@
             <a:r>
               <a:rPr lang="de-DE" altLang="de-DE" sz="1400" dirty="0"/>
               <a:t> &amp; Verwaltung von Konfiguration</a:t>
+            </a:r>
+          </a:p>
+          <a:p>
+            <a:pPr lvl="1">
+              <a:buFont typeface="Arial" panose="020B0604020202020204" pitchFamily="34" charset="0"/>
+              <a:buChar char="•"/>
+            </a:pPr>
+            <a:r>
+              <a:rPr lang="de-DE" altLang="de-DE" sz="1400" dirty="0"/>
+              <a:t>Abschlussübung &amp; Diskussion</a:t>
             </a:r>
           </a:p>
           <a:p>
@@ -9928,7 +10096,7 @@
     </p:spTree>
     <p:extLst>
       <p:ext uri="{BB962C8B-B14F-4D97-AF65-F5344CB8AC3E}">
-        <p14:creationId xmlns:p14="http://schemas.microsoft.com/office/powerpoint/2010/main" val="3071277897"/>
+        <p14:creationId xmlns:p14="http://schemas.microsoft.com/office/powerpoint/2010/main" val="954423341"/>
       </p:ext>
     </p:extLst>
   </p:cSld>

--- a/slides/Tag-3_3-Container-Registry.pptx
+++ b/slides/Tag-3_3-Container-Registry.pptx
@@ -5128,13 +5128,10 @@
           <a:lstStyle/>
           <a:p>
             <a:r>
-              <a:rPr lang="de-DE" dirty="0" err="1"/>
-              <a:t>GitLab</a:t>
-            </a:r>
-            <a:r>
-              <a:rPr lang="de-DE" dirty="0"/>
-              <a:t> Runner</a:t>
-            </a:r>
+              <a:rPr lang="de-DE"/>
+              <a:t>Container Registry</a:t>
+            </a:r>
+            <a:endParaRPr lang="de-DE" dirty="0"/>
           </a:p>
         </p:txBody>
       </p:sp>

--- a/slides/Tag-3_3-Container-Registry.pptx
+++ b/slides/Tag-3_3-Container-Registry.pptx
@@ -3485,6 +3485,42 @@
           </a:p>
         </p:txBody>
       </p:sp>
+      <p:pic>
+        <p:nvPicPr>
+          <p:cNvPr id="3" name="Grafik 2">
+            <a:extLst>
+              <a:ext uri="{FF2B5EF4-FFF2-40B4-BE49-F238E27FC236}">
+                <a16:creationId xmlns:a16="http://schemas.microsoft.com/office/drawing/2014/main" id="{52A384F6-2260-287C-6EA6-C4D39F55300B}"/>
+              </a:ext>
+            </a:extLst>
+          </p:cNvPr>
+          <p:cNvPicPr>
+            <a:picLocks noChangeAspect="1"/>
+          </p:cNvPicPr>
+          <p:nvPr userDrawn="1"/>
+        </p:nvPicPr>
+        <p:blipFill>
+          <a:blip r:embed="rId7">
+            <a:extLst>
+              <a:ext uri="{28A0092B-C50C-407E-A947-70E740481C1C}">
+                <a14:useLocalDpi xmlns:a14="http://schemas.microsoft.com/office/drawing/2010/main" val="0"/>
+              </a:ext>
+            </a:extLst>
+          </a:blip>
+          <a:stretch>
+            <a:fillRect/>
+          </a:stretch>
+        </p:blipFill>
+        <p:spPr>
+          <a:xfrm>
+            <a:off x="8486775" y="-15729"/>
+            <a:ext cx="636272" cy="636272"/>
+          </a:xfrm>
+          <a:prstGeom prst="rect">
+            <a:avLst/>
+          </a:prstGeom>
+        </p:spPr>
+      </p:pic>
     </p:spTree>
   </p:cSld>
   <p:clrMap bg1="lt1" tx1="dk1" bg2="lt2" tx2="dk2" accent1="accent1" accent2="accent2" accent3="accent3" accent4="accent4" accent5="accent5" accent6="accent6" hlink="hlink" folHlink="folHlink"/>
@@ -4194,6 +4230,42 @@
           </a:p>
         </p:txBody>
       </p:sp>
+      <p:pic>
+        <p:nvPicPr>
+          <p:cNvPr id="2" name="Grafik 1">
+            <a:extLst>
+              <a:ext uri="{FF2B5EF4-FFF2-40B4-BE49-F238E27FC236}">
+                <a16:creationId xmlns:a16="http://schemas.microsoft.com/office/drawing/2014/main" id="{4481BD44-9029-8F07-1979-6D893F3021F3}"/>
+              </a:ext>
+            </a:extLst>
+          </p:cNvPr>
+          <p:cNvPicPr>
+            <a:picLocks noChangeAspect="1"/>
+          </p:cNvPicPr>
+          <p:nvPr userDrawn="1"/>
+        </p:nvPicPr>
+        <p:blipFill>
+          <a:blip r:embed="rId5">
+            <a:extLst>
+              <a:ext uri="{28A0092B-C50C-407E-A947-70E740481C1C}">
+                <a14:useLocalDpi xmlns:a14="http://schemas.microsoft.com/office/drawing/2010/main" val="0"/>
+              </a:ext>
+            </a:extLst>
+          </a:blip>
+          <a:stretch>
+            <a:fillRect/>
+          </a:stretch>
+        </p:blipFill>
+        <p:spPr>
+          <a:xfrm>
+            <a:off x="3383868" y="4481736"/>
+            <a:ext cx="2376264" cy="2376264"/>
+          </a:xfrm>
+          <a:prstGeom prst="rect">
+            <a:avLst/>
+          </a:prstGeom>
+        </p:spPr>
+      </p:pic>
     </p:spTree>
   </p:cSld>
   <p:clrMap bg1="lt1" tx1="dk1" bg2="lt2" tx2="dk2" accent1="accent1" accent2="accent2" accent3="accent3" accent4="accent4" accent5="accent5" accent6="accent6" hlink="hlink" folHlink="folHlink"/>

--- a/slides/Tag-3_3-Container-Registry.pptx
+++ b/slides/Tag-3_3-Container-Registry.pptx
@@ -9296,9 +9296,10 @@
               <a:t>Project: </a:t>
             </a:r>
             <a:r>
-              <a:rPr lang="nl-NL" dirty="0"/>
-              <a:t>gitlab.ads.anderscore.com/trainings/gitlab</a:t>
-            </a:r>
+              <a:rPr lang="nl-NL"/>
+              <a:t>gitlab</a:t>
+            </a:r>
+            <a:endParaRPr lang="nl-NL" dirty="0"/>
           </a:p>
           <a:p>
             <a:pPr>

--- a/slides/Tag-3_3-Container-Registry.pptx
+++ b/slides/Tag-3_3-Container-Registry.pptx
@@ -2636,7 +2636,7 @@
               <a:pPr algn="ctr">
                 <a:defRPr/>
               </a:pPr>
-              <a:t>10.06.2024</a:t>
+              <a:t>11.06.2024</a:t>
             </a:fld>
             <a:endParaRPr lang="de-DE" sz="1000">
               <a:solidFill>
@@ -5457,6 +5457,42 @@
           </a:p>
         </p:txBody>
       </p:sp>
+      <p:pic>
+        <p:nvPicPr>
+          <p:cNvPr id="4" name="Grafik 3">
+            <a:extLst>
+              <a:ext uri="{FF2B5EF4-FFF2-40B4-BE49-F238E27FC236}">
+                <a16:creationId xmlns:a16="http://schemas.microsoft.com/office/drawing/2014/main" id="{22016768-7191-0221-F4CF-EF28968B887D}"/>
+              </a:ext>
+            </a:extLst>
+          </p:cNvPr>
+          <p:cNvPicPr>
+            <a:picLocks noChangeAspect="1"/>
+          </p:cNvPicPr>
+          <p:nvPr/>
+        </p:nvPicPr>
+        <p:blipFill>
+          <a:blip r:embed="rId2">
+            <a:extLst>
+              <a:ext uri="{28A0092B-C50C-407E-A947-70E740481C1C}">
+                <a14:useLocalDpi xmlns:a14="http://schemas.microsoft.com/office/drawing/2010/main" val="0"/>
+              </a:ext>
+            </a:extLst>
+          </a:blip>
+          <a:stretch>
+            <a:fillRect/>
+          </a:stretch>
+        </p:blipFill>
+        <p:spPr>
+          <a:xfrm rot="20304935">
+            <a:off x="7184622" y="5554276"/>
+            <a:ext cx="2227108" cy="926566"/>
+          </a:xfrm>
+          <a:prstGeom prst="rect">
+            <a:avLst/>
+          </a:prstGeom>
+        </p:spPr>
+      </p:pic>
     </p:spTree>
     <p:extLst>
       <p:ext uri="{BB962C8B-B14F-4D97-AF65-F5344CB8AC3E}">
@@ -5662,6 +5698,42 @@
           </a:p>
         </p:txBody>
       </p:sp>
+      <p:pic>
+        <p:nvPicPr>
+          <p:cNvPr id="4" name="Grafik 3">
+            <a:extLst>
+              <a:ext uri="{FF2B5EF4-FFF2-40B4-BE49-F238E27FC236}">
+                <a16:creationId xmlns:a16="http://schemas.microsoft.com/office/drawing/2014/main" id="{CD729B85-DC8E-F2D1-A2CC-60C289AF9140}"/>
+              </a:ext>
+            </a:extLst>
+          </p:cNvPr>
+          <p:cNvPicPr>
+            <a:picLocks noChangeAspect="1"/>
+          </p:cNvPicPr>
+          <p:nvPr/>
+        </p:nvPicPr>
+        <p:blipFill>
+          <a:blip r:embed="rId3">
+            <a:extLst>
+              <a:ext uri="{28A0092B-C50C-407E-A947-70E740481C1C}">
+                <a14:useLocalDpi xmlns:a14="http://schemas.microsoft.com/office/drawing/2010/main" val="0"/>
+              </a:ext>
+            </a:extLst>
+          </a:blip>
+          <a:stretch>
+            <a:fillRect/>
+          </a:stretch>
+        </p:blipFill>
+        <p:spPr>
+          <a:xfrm rot="20304935">
+            <a:off x="7184622" y="5554276"/>
+            <a:ext cx="2227108" cy="926566"/>
+          </a:xfrm>
+          <a:prstGeom prst="rect">
+            <a:avLst/>
+          </a:prstGeom>
+        </p:spPr>
+      </p:pic>
     </p:spTree>
     <p:extLst>
       <p:ext uri="{BB962C8B-B14F-4D97-AF65-F5344CB8AC3E}">
@@ -5753,6 +5825,42 @@
             <a:off x="2082474" y="981075"/>
             <a:ext cx="4958415" cy="5400675"/>
           </a:xfrm>
+        </p:spPr>
+      </p:pic>
+      <p:pic>
+        <p:nvPicPr>
+          <p:cNvPr id="3" name="Grafik 2">
+            <a:extLst>
+              <a:ext uri="{FF2B5EF4-FFF2-40B4-BE49-F238E27FC236}">
+                <a16:creationId xmlns:a16="http://schemas.microsoft.com/office/drawing/2014/main" id="{06C301D4-6B7D-12AE-3A69-DFF7C4589FB8}"/>
+              </a:ext>
+            </a:extLst>
+          </p:cNvPr>
+          <p:cNvPicPr>
+            <a:picLocks noChangeAspect="1"/>
+          </p:cNvPicPr>
+          <p:nvPr/>
+        </p:nvPicPr>
+        <p:blipFill>
+          <a:blip r:embed="rId3">
+            <a:extLst>
+              <a:ext uri="{28A0092B-C50C-407E-A947-70E740481C1C}">
+                <a14:useLocalDpi xmlns:a14="http://schemas.microsoft.com/office/drawing/2010/main" val="0"/>
+              </a:ext>
+            </a:extLst>
+          </a:blip>
+          <a:stretch>
+            <a:fillRect/>
+          </a:stretch>
+        </p:blipFill>
+        <p:spPr>
+          <a:xfrm rot="20304935">
+            <a:off x="7184622" y="5554276"/>
+            <a:ext cx="2227108" cy="926566"/>
+          </a:xfrm>
+          <a:prstGeom prst="rect">
+            <a:avLst/>
+          </a:prstGeom>
         </p:spPr>
       </p:pic>
     </p:spTree>
@@ -6033,6 +6141,42 @@
           </a:p>
         </p:txBody>
       </p:sp>
+      <p:pic>
+        <p:nvPicPr>
+          <p:cNvPr id="4" name="Grafik 3">
+            <a:extLst>
+              <a:ext uri="{FF2B5EF4-FFF2-40B4-BE49-F238E27FC236}">
+                <a16:creationId xmlns:a16="http://schemas.microsoft.com/office/drawing/2014/main" id="{181BF95F-C38C-A100-E2E8-4C36F77BEC36}"/>
+              </a:ext>
+            </a:extLst>
+          </p:cNvPr>
+          <p:cNvPicPr>
+            <a:picLocks noChangeAspect="1"/>
+          </p:cNvPicPr>
+          <p:nvPr/>
+        </p:nvPicPr>
+        <p:blipFill>
+          <a:blip r:embed="rId2">
+            <a:extLst>
+              <a:ext uri="{28A0092B-C50C-407E-A947-70E740481C1C}">
+                <a14:useLocalDpi xmlns:a14="http://schemas.microsoft.com/office/drawing/2010/main" val="0"/>
+              </a:ext>
+            </a:extLst>
+          </a:blip>
+          <a:stretch>
+            <a:fillRect/>
+          </a:stretch>
+        </p:blipFill>
+        <p:spPr>
+          <a:xfrm rot="20304935">
+            <a:off x="7184622" y="5554276"/>
+            <a:ext cx="2227108" cy="926566"/>
+          </a:xfrm>
+          <a:prstGeom prst="rect">
+            <a:avLst/>
+          </a:prstGeom>
+        </p:spPr>
+      </p:pic>
     </p:spTree>
     <p:extLst>
       <p:ext uri="{BB962C8B-B14F-4D97-AF65-F5344CB8AC3E}">
@@ -7037,6 +7181,42 @@
           </a:p>
         </p:txBody>
       </p:sp>
+      <p:pic>
+        <p:nvPicPr>
+          <p:cNvPr id="4" name="Grafik 3">
+            <a:extLst>
+              <a:ext uri="{FF2B5EF4-FFF2-40B4-BE49-F238E27FC236}">
+                <a16:creationId xmlns:a16="http://schemas.microsoft.com/office/drawing/2014/main" id="{A7E4C755-4508-BFC7-A777-BDC679016D8C}"/>
+              </a:ext>
+            </a:extLst>
+          </p:cNvPr>
+          <p:cNvPicPr>
+            <a:picLocks noChangeAspect="1"/>
+          </p:cNvPicPr>
+          <p:nvPr/>
+        </p:nvPicPr>
+        <p:blipFill>
+          <a:blip r:embed="rId3">
+            <a:extLst>
+              <a:ext uri="{28A0092B-C50C-407E-A947-70E740481C1C}">
+                <a14:useLocalDpi xmlns:a14="http://schemas.microsoft.com/office/drawing/2010/main" val="0"/>
+              </a:ext>
+            </a:extLst>
+          </a:blip>
+          <a:stretch>
+            <a:fillRect/>
+          </a:stretch>
+        </p:blipFill>
+        <p:spPr>
+          <a:xfrm rot="20304935">
+            <a:off x="7184622" y="5554276"/>
+            <a:ext cx="2227108" cy="926566"/>
+          </a:xfrm>
+          <a:prstGeom prst="rect">
+            <a:avLst/>
+          </a:prstGeom>
+        </p:spPr>
+      </p:pic>
     </p:spTree>
     <p:extLst>
       <p:ext uri="{BB962C8B-B14F-4D97-AF65-F5344CB8AC3E}">
@@ -7128,6 +7308,42 @@
             <a:off x="508228" y="1152172"/>
             <a:ext cx="8106906" cy="5058481"/>
           </a:xfrm>
+        </p:spPr>
+      </p:pic>
+      <p:pic>
+        <p:nvPicPr>
+          <p:cNvPr id="3" name="Grafik 2">
+            <a:extLst>
+              <a:ext uri="{FF2B5EF4-FFF2-40B4-BE49-F238E27FC236}">
+                <a16:creationId xmlns:a16="http://schemas.microsoft.com/office/drawing/2014/main" id="{FA79D1FF-DE5F-A244-1F42-796F0B274299}"/>
+              </a:ext>
+            </a:extLst>
+          </p:cNvPr>
+          <p:cNvPicPr>
+            <a:picLocks noChangeAspect="1"/>
+          </p:cNvPicPr>
+          <p:nvPr/>
+        </p:nvPicPr>
+        <p:blipFill>
+          <a:blip r:embed="rId3">
+            <a:extLst>
+              <a:ext uri="{28A0092B-C50C-407E-A947-70E740481C1C}">
+                <a14:useLocalDpi xmlns:a14="http://schemas.microsoft.com/office/drawing/2010/main" val="0"/>
+              </a:ext>
+            </a:extLst>
+          </a:blip>
+          <a:stretch>
+            <a:fillRect/>
+          </a:stretch>
+        </p:blipFill>
+        <p:spPr>
+          <a:xfrm rot="20304935">
+            <a:off x="7184622" y="5554276"/>
+            <a:ext cx="2227108" cy="926566"/>
+          </a:xfrm>
+          <a:prstGeom prst="rect">
+            <a:avLst/>
+          </a:prstGeom>
         </p:spPr>
       </p:pic>
     </p:spTree>
@@ -7452,6 +7668,42 @@
           </a:p>
         </p:txBody>
       </p:sp>
+      <p:pic>
+        <p:nvPicPr>
+          <p:cNvPr id="4" name="Grafik 3">
+            <a:extLst>
+              <a:ext uri="{FF2B5EF4-FFF2-40B4-BE49-F238E27FC236}">
+                <a16:creationId xmlns:a16="http://schemas.microsoft.com/office/drawing/2014/main" id="{82C27384-2093-5734-93DA-53DA8449E971}"/>
+              </a:ext>
+            </a:extLst>
+          </p:cNvPr>
+          <p:cNvPicPr>
+            <a:picLocks noChangeAspect="1"/>
+          </p:cNvPicPr>
+          <p:nvPr/>
+        </p:nvPicPr>
+        <p:blipFill>
+          <a:blip r:embed="rId2">
+            <a:extLst>
+              <a:ext uri="{28A0092B-C50C-407E-A947-70E740481C1C}">
+                <a14:useLocalDpi xmlns:a14="http://schemas.microsoft.com/office/drawing/2010/main" val="0"/>
+              </a:ext>
+            </a:extLst>
+          </a:blip>
+          <a:stretch>
+            <a:fillRect/>
+          </a:stretch>
+        </p:blipFill>
+        <p:spPr>
+          <a:xfrm rot="20304935">
+            <a:off x="7184622" y="5554276"/>
+            <a:ext cx="2227108" cy="926566"/>
+          </a:xfrm>
+          <a:prstGeom prst="rect">
+            <a:avLst/>
+          </a:prstGeom>
+        </p:spPr>
+      </p:pic>
     </p:spTree>
     <p:extLst>
       <p:ext uri="{BB962C8B-B14F-4D97-AF65-F5344CB8AC3E}">
@@ -8107,6 +8359,42 @@
           </a:p>
         </p:txBody>
       </p:sp>
+      <p:pic>
+        <p:nvPicPr>
+          <p:cNvPr id="5" name="Grafik 4">
+            <a:extLst>
+              <a:ext uri="{FF2B5EF4-FFF2-40B4-BE49-F238E27FC236}">
+                <a16:creationId xmlns:a16="http://schemas.microsoft.com/office/drawing/2014/main" id="{3DFBEF03-FAE1-0412-E52B-E79BE36FFBD9}"/>
+              </a:ext>
+            </a:extLst>
+          </p:cNvPr>
+          <p:cNvPicPr>
+            <a:picLocks noChangeAspect="1"/>
+          </p:cNvPicPr>
+          <p:nvPr/>
+        </p:nvPicPr>
+        <p:blipFill>
+          <a:blip r:embed="rId2">
+            <a:extLst>
+              <a:ext uri="{28A0092B-C50C-407E-A947-70E740481C1C}">
+                <a14:useLocalDpi xmlns:a14="http://schemas.microsoft.com/office/drawing/2010/main" val="0"/>
+              </a:ext>
+            </a:extLst>
+          </a:blip>
+          <a:stretch>
+            <a:fillRect/>
+          </a:stretch>
+        </p:blipFill>
+        <p:spPr>
+          <a:xfrm rot="20304935">
+            <a:off x="7184622" y="5554276"/>
+            <a:ext cx="2227108" cy="926566"/>
+          </a:xfrm>
+          <a:prstGeom prst="rect">
+            <a:avLst/>
+          </a:prstGeom>
+        </p:spPr>
+      </p:pic>
     </p:spTree>
     <p:extLst>
       <p:ext uri="{BB962C8B-B14F-4D97-AF65-F5344CB8AC3E}">
@@ -8286,6 +8574,42 @@
           </a:p>
         </p:txBody>
       </p:sp>
+      <p:pic>
+        <p:nvPicPr>
+          <p:cNvPr id="4" name="Grafik 3">
+            <a:extLst>
+              <a:ext uri="{FF2B5EF4-FFF2-40B4-BE49-F238E27FC236}">
+                <a16:creationId xmlns:a16="http://schemas.microsoft.com/office/drawing/2014/main" id="{52AA1117-485A-50FC-A85C-C9A141774681}"/>
+              </a:ext>
+            </a:extLst>
+          </p:cNvPr>
+          <p:cNvPicPr>
+            <a:picLocks noChangeAspect="1"/>
+          </p:cNvPicPr>
+          <p:nvPr/>
+        </p:nvPicPr>
+        <p:blipFill>
+          <a:blip r:embed="rId2">
+            <a:extLst>
+              <a:ext uri="{28A0092B-C50C-407E-A947-70E740481C1C}">
+                <a14:useLocalDpi xmlns:a14="http://schemas.microsoft.com/office/drawing/2010/main" val="0"/>
+              </a:ext>
+            </a:extLst>
+          </a:blip>
+          <a:stretch>
+            <a:fillRect/>
+          </a:stretch>
+        </p:blipFill>
+        <p:spPr>
+          <a:xfrm rot="20304935">
+            <a:off x="7184622" y="5554276"/>
+            <a:ext cx="2227108" cy="926566"/>
+          </a:xfrm>
+          <a:prstGeom prst="rect">
+            <a:avLst/>
+          </a:prstGeom>
+        </p:spPr>
+      </p:pic>
     </p:spTree>
     <p:extLst>
       <p:ext uri="{BB962C8B-B14F-4D97-AF65-F5344CB8AC3E}">
@@ -8377,6 +8701,42 @@
             <a:off x="1541835" y="1142645"/>
             <a:ext cx="6039693" cy="5077534"/>
           </a:xfrm>
+        </p:spPr>
+      </p:pic>
+      <p:pic>
+        <p:nvPicPr>
+          <p:cNvPr id="3" name="Grafik 2">
+            <a:extLst>
+              <a:ext uri="{FF2B5EF4-FFF2-40B4-BE49-F238E27FC236}">
+                <a16:creationId xmlns:a16="http://schemas.microsoft.com/office/drawing/2014/main" id="{9A0EDDD4-68C0-AFEE-0A29-99494A26C36D}"/>
+              </a:ext>
+            </a:extLst>
+          </p:cNvPr>
+          <p:cNvPicPr>
+            <a:picLocks noChangeAspect="1"/>
+          </p:cNvPicPr>
+          <p:nvPr/>
+        </p:nvPicPr>
+        <p:blipFill>
+          <a:blip r:embed="rId4">
+            <a:extLst>
+              <a:ext uri="{28A0092B-C50C-407E-A947-70E740481C1C}">
+                <a14:useLocalDpi xmlns:a14="http://schemas.microsoft.com/office/drawing/2010/main" val="0"/>
+              </a:ext>
+            </a:extLst>
+          </a:blip>
+          <a:stretch>
+            <a:fillRect/>
+          </a:stretch>
+        </p:blipFill>
+        <p:spPr>
+          <a:xfrm rot="20304935">
+            <a:off x="7184622" y="5554276"/>
+            <a:ext cx="2227108" cy="926566"/>
+          </a:xfrm>
+          <a:prstGeom prst="rect">
+            <a:avLst/>
+          </a:prstGeom>
         </p:spPr>
       </p:pic>
     </p:spTree>
@@ -8472,6 +8832,42 @@
           </a:xfrm>
         </p:spPr>
       </p:pic>
+      <p:pic>
+        <p:nvPicPr>
+          <p:cNvPr id="3" name="Grafik 2">
+            <a:extLst>
+              <a:ext uri="{FF2B5EF4-FFF2-40B4-BE49-F238E27FC236}">
+                <a16:creationId xmlns:a16="http://schemas.microsoft.com/office/drawing/2014/main" id="{734AC504-15F0-C406-DD48-C1C3D912F743}"/>
+              </a:ext>
+            </a:extLst>
+          </p:cNvPr>
+          <p:cNvPicPr>
+            <a:picLocks noChangeAspect="1"/>
+          </p:cNvPicPr>
+          <p:nvPr/>
+        </p:nvPicPr>
+        <p:blipFill>
+          <a:blip r:embed="rId4">
+            <a:extLst>
+              <a:ext uri="{28A0092B-C50C-407E-A947-70E740481C1C}">
+                <a14:useLocalDpi xmlns:a14="http://schemas.microsoft.com/office/drawing/2010/main" val="0"/>
+              </a:ext>
+            </a:extLst>
+          </a:blip>
+          <a:stretch>
+            <a:fillRect/>
+          </a:stretch>
+        </p:blipFill>
+        <p:spPr>
+          <a:xfrm rot="20304935">
+            <a:off x="7184622" y="5554276"/>
+            <a:ext cx="2227108" cy="926566"/>
+          </a:xfrm>
+          <a:prstGeom prst="rect">
+            <a:avLst/>
+          </a:prstGeom>
+        </p:spPr>
+      </p:pic>
     </p:spTree>
     <p:extLst>
       <p:ext uri="{BB962C8B-B14F-4D97-AF65-F5344CB8AC3E}">
@@ -8622,6 +9018,42 @@
           </a:p>
         </p:txBody>
       </p:sp>
+      <p:pic>
+        <p:nvPicPr>
+          <p:cNvPr id="4" name="Grafik 3">
+            <a:extLst>
+              <a:ext uri="{FF2B5EF4-FFF2-40B4-BE49-F238E27FC236}">
+                <a16:creationId xmlns:a16="http://schemas.microsoft.com/office/drawing/2014/main" id="{048AF64D-AA8A-5EB0-C992-06768C7185DF}"/>
+              </a:ext>
+            </a:extLst>
+          </p:cNvPr>
+          <p:cNvPicPr>
+            <a:picLocks noChangeAspect="1"/>
+          </p:cNvPicPr>
+          <p:nvPr/>
+        </p:nvPicPr>
+        <p:blipFill>
+          <a:blip r:embed="rId2">
+            <a:extLst>
+              <a:ext uri="{28A0092B-C50C-407E-A947-70E740481C1C}">
+                <a14:useLocalDpi xmlns:a14="http://schemas.microsoft.com/office/drawing/2010/main" val="0"/>
+              </a:ext>
+            </a:extLst>
+          </a:blip>
+          <a:stretch>
+            <a:fillRect/>
+          </a:stretch>
+        </p:blipFill>
+        <p:spPr>
+          <a:xfrm rot="20304935">
+            <a:off x="7184622" y="5554276"/>
+            <a:ext cx="2227108" cy="926566"/>
+          </a:xfrm>
+          <a:prstGeom prst="rect">
+            <a:avLst/>
+          </a:prstGeom>
+        </p:spPr>
+      </p:pic>
     </p:spTree>
     <p:extLst>
       <p:ext uri="{BB962C8B-B14F-4D97-AF65-F5344CB8AC3E}">
@@ -8973,6 +9405,42 @@
           <a:xfrm>
             <a:off x="6948264" y="2780928"/>
             <a:ext cx="1716164" cy="1599418"/>
+          </a:xfrm>
+          <a:prstGeom prst="rect">
+            <a:avLst/>
+          </a:prstGeom>
+        </p:spPr>
+      </p:pic>
+      <p:pic>
+        <p:nvPicPr>
+          <p:cNvPr id="4" name="Grafik 3">
+            <a:extLst>
+              <a:ext uri="{FF2B5EF4-FFF2-40B4-BE49-F238E27FC236}">
+                <a16:creationId xmlns:a16="http://schemas.microsoft.com/office/drawing/2014/main" id="{BCF1DA45-EDE7-3086-F2F1-8106D0180DCB}"/>
+              </a:ext>
+            </a:extLst>
+          </p:cNvPr>
+          <p:cNvPicPr>
+            <a:picLocks noChangeAspect="1"/>
+          </p:cNvPicPr>
+          <p:nvPr/>
+        </p:nvPicPr>
+        <p:blipFill>
+          <a:blip r:embed="rId4">
+            <a:extLst>
+              <a:ext uri="{28A0092B-C50C-407E-A947-70E740481C1C}">
+                <a14:useLocalDpi xmlns:a14="http://schemas.microsoft.com/office/drawing/2010/main" val="0"/>
+              </a:ext>
+            </a:extLst>
+          </a:blip>
+          <a:stretch>
+            <a:fillRect/>
+          </a:stretch>
+        </p:blipFill>
+        <p:spPr>
+          <a:xfrm rot="20304935">
+            <a:off x="7184622" y="5554276"/>
+            <a:ext cx="2227108" cy="926566"/>
           </a:xfrm>
           <a:prstGeom prst="rect">
             <a:avLst/>
@@ -10313,6 +10781,42 @@
           </a:p>
         </p:txBody>
       </p:sp>
+      <p:pic>
+        <p:nvPicPr>
+          <p:cNvPr id="4" name="Grafik 3">
+            <a:extLst>
+              <a:ext uri="{FF2B5EF4-FFF2-40B4-BE49-F238E27FC236}">
+                <a16:creationId xmlns:a16="http://schemas.microsoft.com/office/drawing/2014/main" id="{6F902AE6-BF4C-7611-1ED5-C74892A8E706}"/>
+              </a:ext>
+            </a:extLst>
+          </p:cNvPr>
+          <p:cNvPicPr>
+            <a:picLocks noChangeAspect="1"/>
+          </p:cNvPicPr>
+          <p:nvPr/>
+        </p:nvPicPr>
+        <p:blipFill>
+          <a:blip r:embed="rId2">
+            <a:extLst>
+              <a:ext uri="{28A0092B-C50C-407E-A947-70E740481C1C}">
+                <a14:useLocalDpi xmlns:a14="http://schemas.microsoft.com/office/drawing/2010/main" val="0"/>
+              </a:ext>
+            </a:extLst>
+          </a:blip>
+          <a:stretch>
+            <a:fillRect/>
+          </a:stretch>
+        </p:blipFill>
+        <p:spPr>
+          <a:xfrm rot="20304935">
+            <a:off x="7184622" y="5554276"/>
+            <a:ext cx="2227108" cy="926566"/>
+          </a:xfrm>
+          <a:prstGeom prst="rect">
+            <a:avLst/>
+          </a:prstGeom>
+        </p:spPr>
+      </p:pic>
     </p:spTree>
     <p:extLst>
       <p:ext uri="{BB962C8B-B14F-4D97-AF65-F5344CB8AC3E}">
@@ -10567,6 +11071,42 @@
           </a:p>
         </p:txBody>
       </p:sp>
+      <p:pic>
+        <p:nvPicPr>
+          <p:cNvPr id="4" name="Grafik 3">
+            <a:extLst>
+              <a:ext uri="{FF2B5EF4-FFF2-40B4-BE49-F238E27FC236}">
+                <a16:creationId xmlns:a16="http://schemas.microsoft.com/office/drawing/2014/main" id="{567AA1B6-5E7D-FABE-E055-7F6917021299}"/>
+              </a:ext>
+            </a:extLst>
+          </p:cNvPr>
+          <p:cNvPicPr>
+            <a:picLocks noChangeAspect="1"/>
+          </p:cNvPicPr>
+          <p:nvPr/>
+        </p:nvPicPr>
+        <p:blipFill>
+          <a:blip r:embed="rId2">
+            <a:extLst>
+              <a:ext uri="{28A0092B-C50C-407E-A947-70E740481C1C}">
+                <a14:useLocalDpi xmlns:a14="http://schemas.microsoft.com/office/drawing/2010/main" val="0"/>
+              </a:ext>
+            </a:extLst>
+          </a:blip>
+          <a:stretch>
+            <a:fillRect/>
+          </a:stretch>
+        </p:blipFill>
+        <p:spPr>
+          <a:xfrm rot="20304935">
+            <a:off x="7184622" y="5554276"/>
+            <a:ext cx="2227108" cy="926566"/>
+          </a:xfrm>
+          <a:prstGeom prst="rect">
+            <a:avLst/>
+          </a:prstGeom>
+        </p:spPr>
+      </p:pic>
     </p:spTree>
     <p:extLst>
       <p:ext uri="{BB962C8B-B14F-4D97-AF65-F5344CB8AC3E}">
@@ -10717,6 +11257,42 @@
           </a:p>
         </p:txBody>
       </p:sp>
+      <p:pic>
+        <p:nvPicPr>
+          <p:cNvPr id="4" name="Grafik 3">
+            <a:extLst>
+              <a:ext uri="{FF2B5EF4-FFF2-40B4-BE49-F238E27FC236}">
+                <a16:creationId xmlns:a16="http://schemas.microsoft.com/office/drawing/2014/main" id="{69695A5F-42BD-B0A5-B41E-BA92F8E6A481}"/>
+              </a:ext>
+            </a:extLst>
+          </p:cNvPr>
+          <p:cNvPicPr>
+            <a:picLocks noChangeAspect="1"/>
+          </p:cNvPicPr>
+          <p:nvPr/>
+        </p:nvPicPr>
+        <p:blipFill>
+          <a:blip r:embed="rId2">
+            <a:extLst>
+              <a:ext uri="{28A0092B-C50C-407E-A947-70E740481C1C}">
+                <a14:useLocalDpi xmlns:a14="http://schemas.microsoft.com/office/drawing/2010/main" val="0"/>
+              </a:ext>
+            </a:extLst>
+          </a:blip>
+          <a:stretch>
+            <a:fillRect/>
+          </a:stretch>
+        </p:blipFill>
+        <p:spPr>
+          <a:xfrm rot="20304935">
+            <a:off x="7184622" y="5554276"/>
+            <a:ext cx="2227108" cy="926566"/>
+          </a:xfrm>
+          <a:prstGeom prst="rect">
+            <a:avLst/>
+          </a:prstGeom>
+        </p:spPr>
+      </p:pic>
     </p:spTree>
     <p:extLst>
       <p:ext uri="{BB962C8B-B14F-4D97-AF65-F5344CB8AC3E}">
@@ -11038,6 +11614,42 @@
           </a:p>
         </p:txBody>
       </p:sp>
+      <p:pic>
+        <p:nvPicPr>
+          <p:cNvPr id="4" name="Grafik 3">
+            <a:extLst>
+              <a:ext uri="{FF2B5EF4-FFF2-40B4-BE49-F238E27FC236}">
+                <a16:creationId xmlns:a16="http://schemas.microsoft.com/office/drawing/2014/main" id="{F15D8B8D-15E2-1F78-0EBE-664E90CDA0B9}"/>
+              </a:ext>
+            </a:extLst>
+          </p:cNvPr>
+          <p:cNvPicPr>
+            <a:picLocks noChangeAspect="1"/>
+          </p:cNvPicPr>
+          <p:nvPr/>
+        </p:nvPicPr>
+        <p:blipFill>
+          <a:blip r:embed="rId2">
+            <a:extLst>
+              <a:ext uri="{28A0092B-C50C-407E-A947-70E740481C1C}">
+                <a14:useLocalDpi xmlns:a14="http://schemas.microsoft.com/office/drawing/2010/main" val="0"/>
+              </a:ext>
+            </a:extLst>
+          </a:blip>
+          <a:stretch>
+            <a:fillRect/>
+          </a:stretch>
+        </p:blipFill>
+        <p:spPr>
+          <a:xfrm rot="20304935">
+            <a:off x="7184622" y="5554276"/>
+            <a:ext cx="2227108" cy="926566"/>
+          </a:xfrm>
+          <a:prstGeom prst="rect">
+            <a:avLst/>
+          </a:prstGeom>
+        </p:spPr>
+      </p:pic>
     </p:spTree>
     <p:extLst>
       <p:ext uri="{BB962C8B-B14F-4D97-AF65-F5344CB8AC3E}">

--- a/slides/Tag-3_3-Container-Registry.pptx
+++ b/slides/Tag-3_3-Container-Registry.pptx
@@ -2721,7 +2721,7 @@
               <a:pPr algn="ctr">
                 <a:defRPr/>
               </a:pPr>
-              <a:t>12.06.2024</a:t>
+              <a:t>14.06.2024</a:t>
             </a:fld>
             <a:endParaRPr lang="de-DE" sz="1000">
               <a:solidFill>
@@ -3149,53 +3149,6 @@
       </p:sp>
       <p:sp>
         <p:nvSpPr>
-          <p:cNvPr id="1063" name="Rectangle 39">
-            <a:hlinkClick r:id="rId4"/>
-            <a:extLst>
-              <a:ext uri="{FF2B5EF4-FFF2-40B4-BE49-F238E27FC236}">
-                <a16:creationId xmlns:a16="http://schemas.microsoft.com/office/drawing/2014/main" id="{613611E0-DAA0-F230-CD0B-8592F1472163}"/>
-              </a:ext>
-            </a:extLst>
-          </p:cNvPr>
-          <p:cNvSpPr>
-            <a:spLocks noChangeArrowheads="1"/>
-          </p:cNvSpPr>
-          <p:nvPr userDrawn="1"/>
-        </p:nvSpPr>
-        <p:spPr bwMode="auto">
-          <a:xfrm>
-            <a:off x="3914775" y="3105150"/>
-            <a:ext cx="9144000" cy="461963"/>
-          </a:xfrm>
-          <a:prstGeom prst="rect">
-            <a:avLst/>
-          </a:prstGeom>
-          <a:noFill/>
-          <a:ln w="12700">
-            <a:noFill/>
-            <a:miter lim="800000"/>
-            <a:headEnd type="none" w="sm" len="sm"/>
-            <a:tailEnd type="none" w="sm" len="sm"/>
-          </a:ln>
-          <a:effectLst/>
-        </p:spPr>
-        <p:txBody>
-          <a:bodyPr>
-            <a:spAutoFit/>
-          </a:bodyPr>
-          <a:lstStyle/>
-          <a:p>
-            <a:pPr>
-              <a:defRPr/>
-            </a:pPr>
-            <a:endParaRPr lang="de-DE" dirty="0">
-              <a:latin typeface="Arial" pitchFamily="34" charset="0"/>
-            </a:endParaRPr>
-          </a:p>
-        </p:txBody>
-      </p:sp>
-      <p:sp>
-        <p:nvSpPr>
           <p:cNvPr id="1064" name="Rectangle 40">
             <a:extLst>
               <a:ext uri="{FF2B5EF4-FFF2-40B4-BE49-F238E27FC236}">
@@ -3401,7 +3354,7 @@
           <p:nvPr userDrawn="1"/>
         </p:nvPicPr>
         <p:blipFill>
-          <a:blip r:embed="rId5">
+          <a:blip r:embed="rId4">
             <a:extLst>
               <a:ext uri="{28A0092B-C50C-407E-A947-70E740481C1C}">
                 <a14:useLocalDpi xmlns:a14="http://schemas.microsoft.com/office/drawing/2010/main" val="0"/>
@@ -3461,7 +3414,7 @@
           <p:nvPr userDrawn="1"/>
         </p:nvPicPr>
         <p:blipFill>
-          <a:blip r:embed="rId6">
+          <a:blip r:embed="rId5">
             <a:extLst>
               <a:ext uri="{28A0092B-C50C-407E-A947-70E740481C1C}">
                 <a14:useLocalDpi xmlns:a14="http://schemas.microsoft.com/office/drawing/2010/main" val="0"/>
@@ -3585,7 +3538,7 @@
           <p:nvPr userDrawn="1"/>
         </p:nvPicPr>
         <p:blipFill>
-          <a:blip r:embed="rId7">
+          <a:blip r:embed="rId6">
             <a:extLst>
               <a:ext uri="{28A0092B-C50C-407E-A947-70E740481C1C}">
                 <a14:useLocalDpi xmlns:a14="http://schemas.microsoft.com/office/drawing/2010/main" val="0"/>

--- a/slides/Tag-3_3-Container-Registry.pptx
+++ b/slides/Tag-3_3-Container-Registry.pptx
@@ -13,8 +13,8 @@
   </p:handoutMasterIdLst>
   <p:sldIdLst>
     <p:sldId id="624" r:id="rId3"/>
-    <p:sldId id="606" r:id="rId4"/>
-    <p:sldId id="726" r:id="rId5"/>
+    <p:sldId id="289" r:id="rId4"/>
+    <p:sldId id="727" r:id="rId5"/>
     <p:sldId id="597" r:id="rId6"/>
     <p:sldId id="692" r:id="rId7"/>
     <p:sldId id="691" r:id="rId8"/>
@@ -2721,7 +2721,7 @@
               <a:pPr algn="ctr">
                 <a:defRPr/>
               </a:pPr>
-              <a:t>14.06.2024</a:t>
+              <a:t>18.06.2024</a:t>
             </a:fld>
             <a:endParaRPr lang="de-DE" sz="1000">
               <a:solidFill>
@@ -3084,7 +3084,7 @@
                 </a:solidFill>
                 <a:latin typeface="Arial" charset="0"/>
               </a:rPr>
-              <a:t>Daniel Krämer &amp; Malte Fischer</a:t>
+              <a:t>Daniel Krämer</a:t>
             </a:r>
           </a:p>
         </p:txBody>
@@ -4763,7 +4763,7 @@
             </a:br>
             <a:r>
               <a:rPr lang="de-DE" altLang="de-DE" sz="3200" dirty="0"/>
-              <a:t>Docker in der Entwicklung und </a:t>
+              <a:t>Docker, </a:t>
             </a:r>
             <a:r>
               <a:rPr lang="de-DE" altLang="de-DE" sz="3200" dirty="0" err="1"/>
@@ -4831,7 +4831,7 @@
             </a:pPr>
             <a:r>
               <a:rPr lang="de-DE" altLang="de-DE" sz="1600" dirty="0"/>
-              <a:t>19.06.2024, Daniel Krämer &amp; Malte Fischer</a:t>
+              <a:t>19.06.2024, Daniel Krämer</a:t>
             </a:r>
           </a:p>
         </p:txBody>
@@ -7864,9 +7864,100 @@
               <a:rPr lang="de-DE" altLang="de-DE" sz="1800" b="1" dirty="0" err="1"/>
               <a:t>GitLab</a:t>
             </a:r>
+            <a:endParaRPr lang="de-DE" altLang="de-DE" sz="1800" b="1" dirty="0"/>
+          </a:p>
+          <a:p>
+            <a:pPr lvl="1">
+              <a:buFont typeface="Arial" panose="020B0604020202020204" pitchFamily="34" charset="0"/>
+              <a:buChar char="•"/>
+            </a:pPr>
+            <a:r>
+              <a:rPr lang="de-DE" altLang="de-DE" sz="1400" dirty="0"/>
+              <a:t>Einführung &amp; Kursüberblick</a:t>
+            </a:r>
+          </a:p>
+          <a:p>
+            <a:pPr lvl="1">
+              <a:buFont typeface="Arial" panose="020B0604020202020204" pitchFamily="34" charset="0"/>
+              <a:buChar char="•"/>
+            </a:pPr>
+            <a:r>
+              <a:rPr lang="de-DE" altLang="de-DE" sz="1400" dirty="0"/>
+              <a:t>Grundlagen von </a:t>
+            </a:r>
+            <a:r>
+              <a:rPr lang="de-DE" altLang="de-DE" sz="1400" dirty="0" err="1"/>
+              <a:t>Git</a:t>
+            </a:r>
+            <a:endParaRPr lang="de-DE" altLang="de-DE" sz="1400" dirty="0"/>
+          </a:p>
+          <a:p>
+            <a:pPr lvl="1">
+              <a:buFont typeface="Arial" panose="020B0604020202020204" pitchFamily="34" charset="0"/>
+              <a:buChar char="•"/>
+            </a:pPr>
+            <a:r>
+              <a:rPr lang="de-DE" altLang="de-DE" sz="1400" dirty="0" err="1"/>
+              <a:t>Git</a:t>
+            </a:r>
+            <a:r>
+              <a:rPr lang="de-DE" altLang="de-DE" sz="1400" dirty="0"/>
+              <a:t> </a:t>
+            </a:r>
+            <a:r>
+              <a:rPr lang="de-DE" altLang="de-DE" sz="1400" dirty="0" err="1"/>
+              <a:t>Rebase</a:t>
+            </a:r>
+            <a:r>
+              <a:rPr lang="de-DE" altLang="de-DE" sz="1400" dirty="0"/>
+              <a:t> und </a:t>
+            </a:r>
+            <a:r>
+              <a:rPr lang="de-DE" altLang="de-DE" sz="1400" dirty="0" err="1"/>
+              <a:t>Merge</a:t>
+            </a:r>
+            <a:r>
+              <a:rPr lang="de-DE" altLang="de-DE" sz="1400" dirty="0"/>
+              <a:t>-Strategien</a:t>
+            </a:r>
+          </a:p>
+          <a:p>
+            <a:pPr lvl="1">
+              <a:buFont typeface="Arial" panose="020B0604020202020204" pitchFamily="34" charset="0"/>
+              <a:buChar char="•"/>
+            </a:pPr>
+            <a:r>
+              <a:rPr lang="de-DE" altLang="de-DE" sz="1400" dirty="0" err="1"/>
+              <a:t>Git</a:t>
+            </a:r>
+            <a:r>
+              <a:rPr lang="de-DE" altLang="de-DE" sz="1400" dirty="0"/>
+              <a:t> Remote</a:t>
+            </a:r>
+          </a:p>
+          <a:p>
+            <a:pPr lvl="1">
+              <a:buFont typeface="Arial" panose="020B0604020202020204" pitchFamily="34" charset="0"/>
+              <a:buChar char="•"/>
+            </a:pPr>
+            <a:r>
+              <a:rPr lang="de-DE" altLang="de-DE" sz="1400" dirty="0"/>
+              <a:t>Grundlagen von </a:t>
+            </a:r>
+            <a:r>
+              <a:rPr lang="de-DE" altLang="de-DE" sz="1400" dirty="0" err="1"/>
+              <a:t>GitLab</a:t>
+            </a:r>
+            <a:endParaRPr lang="de-DE" altLang="de-DE" sz="1400" dirty="0"/>
+          </a:p>
+          <a:p>
+            <a:pPr>
+              <a:buFont typeface="Arial" panose="020B0604020202020204" pitchFamily="34" charset="0"/>
+              <a:buChar char="•"/>
+            </a:pPr>
             <a:r>
               <a:rPr lang="de-DE" altLang="de-DE" sz="1800" b="1" dirty="0"/>
-              <a:t>, </a:t>
+              <a:t>Tag 2 – </a:t>
             </a:r>
             <a:r>
               <a:rPr lang="de-DE" altLang="de-DE" sz="1800" b="1" dirty="0" err="1"/>
@@ -7874,7 +7965,15 @@
             </a:r>
             <a:r>
               <a:rPr lang="de-DE" altLang="de-DE" sz="1800" b="1" dirty="0"/>
-              <a:t>-Workflow im Team</a:t>
+              <a:t>-Workflows, CI/CD, </a:t>
+            </a:r>
+            <a:r>
+              <a:rPr lang="de-DE" altLang="de-DE" sz="1800" b="1" dirty="0" err="1"/>
+              <a:t>GitLab</a:t>
+            </a:r>
+            <a:r>
+              <a:rPr lang="de-DE" altLang="de-DE" sz="1800" b="1" dirty="0"/>
+              <a:t> CI </a:t>
             </a:r>
           </a:p>
           <a:p>
@@ -7882,25 +7981,14 @@
               <a:buFont typeface="Arial" panose="020B0604020202020204" pitchFamily="34" charset="0"/>
               <a:buChar char="•"/>
             </a:pPr>
-            <a:r>
-              <a:rPr lang="de-DE" altLang="de-DE" sz="1400" dirty="0"/>
-              <a:t>Einführung &amp; Kursüberblick</a:t>
-            </a:r>
-          </a:p>
-          <a:p>
-            <a:pPr lvl="1">
-              <a:buFont typeface="Arial" panose="020B0604020202020204" pitchFamily="34" charset="0"/>
-              <a:buChar char="•"/>
-            </a:pPr>
-            <a:r>
-              <a:rPr lang="de-DE" altLang="de-DE" sz="1400" dirty="0"/>
-              <a:t>Grundlagen von </a:t>
-            </a:r>
             <a:r>
               <a:rPr lang="de-DE" altLang="de-DE" sz="1400" dirty="0" err="1"/>
               <a:t>Git</a:t>
             </a:r>
-            <a:endParaRPr lang="de-DE" altLang="de-DE" sz="1400" dirty="0"/>
+            <a:r>
+              <a:rPr lang="de-DE" altLang="de-DE" sz="1400" dirty="0"/>
+              <a:t>-Workflow im Team</a:t>
+            </a:r>
           </a:p>
           <a:p>
             <a:pPr lvl="1">
@@ -7909,121 +7997,45 @@
             </a:pPr>
             <a:r>
               <a:rPr lang="de-DE" altLang="de-DE" sz="1400" dirty="0" err="1"/>
-              <a:t>Git</a:t>
+              <a:t>Gitflow</a:t>
             </a:r>
             <a:r>
               <a:rPr lang="de-DE" altLang="de-DE" sz="1400" dirty="0"/>
-              <a:t> </a:t>
-            </a:r>
-            <a:r>
-              <a:rPr lang="de-DE" altLang="de-DE" sz="1400" dirty="0" err="1"/>
-              <a:t>Rebase</a:t>
-            </a:r>
+              <a:t>-Workflow</a:t>
+            </a:r>
+          </a:p>
+          <a:p>
+            <a:pPr lvl="1">
+              <a:buFont typeface="Arial" panose="020B0604020202020204" pitchFamily="34" charset="0"/>
+              <a:buChar char="•"/>
+            </a:pPr>
             <a:r>
               <a:rPr lang="de-DE" altLang="de-DE" sz="1400" dirty="0"/>
-              <a:t> und </a:t>
-            </a:r>
-            <a:r>
-              <a:rPr lang="de-DE" altLang="de-DE" sz="1400" dirty="0" err="1"/>
-              <a:t>Merge</a:t>
-            </a:r>
+              <a:t>Tags, Releases &amp; deren Verwaltung</a:t>
+            </a:r>
+          </a:p>
+          <a:p>
+            <a:pPr lvl="1">
+              <a:buFont typeface="Arial" panose="020B0604020202020204" pitchFamily="34" charset="0"/>
+              <a:buChar char="•"/>
+            </a:pPr>
             <a:r>
               <a:rPr lang="de-DE" altLang="de-DE" sz="1400" dirty="0"/>
-              <a:t>-Strategien</a:t>
-            </a:r>
-          </a:p>
-          <a:p>
-            <a:pPr lvl="1">
-              <a:buFont typeface="Arial" panose="020B0604020202020204" pitchFamily="34" charset="0"/>
-              <a:buChar char="•"/>
-            </a:pPr>
-            <a:r>
-              <a:rPr lang="de-DE" altLang="de-DE" sz="1400" dirty="0" err="1"/>
-              <a:t>Git</a:t>
-            </a:r>
-            <a:r>
-              <a:rPr lang="de-DE" altLang="de-DE" sz="1400" dirty="0"/>
-              <a:t> Remote</a:t>
-            </a:r>
-          </a:p>
-          <a:p>
-            <a:pPr lvl="1">
-              <a:buFont typeface="Arial" panose="020B0604020202020204" pitchFamily="34" charset="0"/>
-              <a:buChar char="•"/>
-            </a:pPr>
-            <a:r>
-              <a:rPr lang="de-DE" altLang="de-DE" sz="1400" dirty="0"/>
-              <a:t>Grundlagen von </a:t>
+              <a:t>Einführung in </a:t>
             </a:r>
             <a:r>
               <a:rPr lang="de-DE" altLang="de-DE" sz="1400" dirty="0" err="1"/>
               <a:t>GitLab</a:t>
             </a:r>
+            <a:r>
+              <a:rPr lang="de-DE" altLang="de-DE" sz="1400" dirty="0"/>
+              <a:t> CI/CD &amp; </a:t>
+            </a:r>
+            <a:r>
+              <a:rPr lang="de-DE" altLang="de-DE" sz="1400" dirty="0" err="1"/>
+              <a:t>gitlab-ci.yml</a:t>
+            </a:r>
             <a:endParaRPr lang="de-DE" altLang="de-DE" sz="1400" dirty="0"/>
-          </a:p>
-          <a:p>
-            <a:pPr lvl="1">
-              <a:buFont typeface="Arial" panose="020B0604020202020204" pitchFamily="34" charset="0"/>
-              <a:buChar char="•"/>
-            </a:pPr>
-            <a:r>
-              <a:rPr lang="de-DE" altLang="de-DE" sz="1400" dirty="0" err="1"/>
-              <a:t>Git</a:t>
-            </a:r>
-            <a:r>
-              <a:rPr lang="de-DE" altLang="de-DE" sz="1400" dirty="0"/>
-              <a:t>-Workflow im Team</a:t>
-            </a:r>
-          </a:p>
-          <a:p>
-            <a:pPr>
-              <a:buFont typeface="Arial" panose="020B0604020202020204" pitchFamily="34" charset="0"/>
-              <a:buChar char="•"/>
-            </a:pPr>
-            <a:r>
-              <a:rPr lang="de-DE" altLang="de-DE" sz="1800" b="1" dirty="0"/>
-              <a:t>Tag 2 – Vertiefung </a:t>
-            </a:r>
-            <a:r>
-              <a:rPr lang="de-DE" altLang="de-DE" sz="1800" b="1" dirty="0" err="1"/>
-              <a:t>Git</a:t>
-            </a:r>
-            <a:r>
-              <a:rPr lang="de-DE" altLang="de-DE" sz="1800" b="1" dirty="0"/>
-              <a:t>-Workflow, CI/CD &amp; </a:t>
-            </a:r>
-            <a:r>
-              <a:rPr lang="de-DE" altLang="de-DE" sz="1800" b="1" dirty="0" err="1"/>
-              <a:t>GitLab</a:t>
-            </a:r>
-            <a:r>
-              <a:rPr lang="de-DE" altLang="de-DE" sz="1800" b="1" dirty="0"/>
-              <a:t> CI </a:t>
-            </a:r>
-          </a:p>
-          <a:p>
-            <a:pPr lvl="1">
-              <a:buFont typeface="Arial" panose="020B0604020202020204" pitchFamily="34" charset="0"/>
-              <a:buChar char="•"/>
-            </a:pPr>
-            <a:r>
-              <a:rPr lang="de-DE" altLang="de-DE" sz="1400" dirty="0" err="1"/>
-              <a:t>Gitflow</a:t>
-            </a:r>
-            <a:r>
-              <a:rPr lang="de-DE" altLang="de-DE" sz="1400" dirty="0"/>
-              <a:t>-Workflow</a:t>
-            </a:r>
-          </a:p>
-          <a:p>
-            <a:pPr lvl="1">
-              <a:buFont typeface="Arial" panose="020B0604020202020204" pitchFamily="34" charset="0"/>
-              <a:buChar char="•"/>
-            </a:pPr>
-            <a:r>
-              <a:rPr lang="de-DE" altLang="de-DE" sz="1400" dirty="0"/>
-              <a:t>Tags, Releases &amp; deren Verwaltung</a:t>
-            </a:r>
           </a:p>
           <a:p>
             <a:pPr lvl="1">
@@ -8036,31 +8048,8 @@
             </a:r>
             <a:r>
               <a:rPr lang="de-DE" altLang="de-DE" sz="1400" dirty="0"/>
-              <a:t>-Runner</a:t>
-            </a:r>
-          </a:p>
-          <a:p>
-            <a:pPr lvl="1">
-              <a:buFont typeface="Arial" panose="020B0604020202020204" pitchFamily="34" charset="0"/>
-              <a:buChar char="•"/>
-            </a:pPr>
-            <a:r>
-              <a:rPr lang="de-DE" altLang="de-DE" sz="1400" dirty="0"/>
-              <a:t>Einführung in </a:t>
-            </a:r>
-            <a:r>
-              <a:rPr lang="de-DE" altLang="de-DE" sz="1400" dirty="0" err="1"/>
-              <a:t>GitLab</a:t>
-            </a:r>
-            <a:r>
-              <a:rPr lang="de-DE" altLang="de-DE" sz="1400" dirty="0"/>
-              <a:t> CI/CD &amp; </a:t>
-            </a:r>
-            <a:r>
-              <a:rPr lang="de-DE" altLang="de-DE" sz="1400" dirty="0" err="1"/>
-              <a:t>gitlab.yml</a:t>
-            </a:r>
-            <a:endParaRPr lang="de-DE" altLang="de-DE" sz="1400" dirty="0"/>
+              <a:t> Runner</a:t>
+            </a:r>
           </a:p>
           <a:p>
             <a:pPr>
@@ -8077,7 +8066,7 @@
             </a:r>
             <a:r>
               <a:rPr lang="de-DE" altLang="de-DE" sz="1800" b="1" dirty="0"/>
-              <a:t>, Docker in der Entwicklung und </a:t>
+              <a:t>, Docker, </a:t>
             </a:r>
             <a:r>
               <a:rPr lang="de-DE" altLang="de-DE" sz="1800" b="1" dirty="0" err="1"/>
@@ -8109,7 +8098,7 @@
             </a:pPr>
             <a:r>
               <a:rPr lang="de-DE" altLang="de-DE" sz="1400" dirty="0"/>
-              <a:t>Lokale Entwicklung mit Docker</a:t>
+              <a:t>Entwicklung mit Docker</a:t>
             </a:r>
           </a:p>
           <a:p>
@@ -10344,9 +10333,100 @@
               <a:rPr lang="de-DE" altLang="de-DE" sz="1800" b="1" dirty="0" err="1"/>
               <a:t>GitLab</a:t>
             </a:r>
+            <a:endParaRPr lang="de-DE" altLang="de-DE" sz="1800" b="1" dirty="0"/>
+          </a:p>
+          <a:p>
+            <a:pPr lvl="1">
+              <a:buFont typeface="Arial" panose="020B0604020202020204" pitchFamily="34" charset="0"/>
+              <a:buChar char="•"/>
+            </a:pPr>
+            <a:r>
+              <a:rPr lang="de-DE" altLang="de-DE" sz="1400" dirty="0"/>
+              <a:t>Einführung &amp; Kursüberblick</a:t>
+            </a:r>
+          </a:p>
+          <a:p>
+            <a:pPr lvl="1">
+              <a:buFont typeface="Arial" panose="020B0604020202020204" pitchFamily="34" charset="0"/>
+              <a:buChar char="•"/>
+            </a:pPr>
+            <a:r>
+              <a:rPr lang="de-DE" altLang="de-DE" sz="1400" dirty="0"/>
+              <a:t>Grundlagen von </a:t>
+            </a:r>
+            <a:r>
+              <a:rPr lang="de-DE" altLang="de-DE" sz="1400" dirty="0" err="1"/>
+              <a:t>Git</a:t>
+            </a:r>
+            <a:endParaRPr lang="de-DE" altLang="de-DE" sz="1400" dirty="0"/>
+          </a:p>
+          <a:p>
+            <a:pPr lvl="1">
+              <a:buFont typeface="Arial" panose="020B0604020202020204" pitchFamily="34" charset="0"/>
+              <a:buChar char="•"/>
+            </a:pPr>
+            <a:r>
+              <a:rPr lang="de-DE" altLang="de-DE" sz="1400" dirty="0" err="1"/>
+              <a:t>Git</a:t>
+            </a:r>
+            <a:r>
+              <a:rPr lang="de-DE" altLang="de-DE" sz="1400" dirty="0"/>
+              <a:t> </a:t>
+            </a:r>
+            <a:r>
+              <a:rPr lang="de-DE" altLang="de-DE" sz="1400" dirty="0" err="1"/>
+              <a:t>Rebase</a:t>
+            </a:r>
+            <a:r>
+              <a:rPr lang="de-DE" altLang="de-DE" sz="1400" dirty="0"/>
+              <a:t> und </a:t>
+            </a:r>
+            <a:r>
+              <a:rPr lang="de-DE" altLang="de-DE" sz="1400" dirty="0" err="1"/>
+              <a:t>Merge</a:t>
+            </a:r>
+            <a:r>
+              <a:rPr lang="de-DE" altLang="de-DE" sz="1400" dirty="0"/>
+              <a:t>-Strategien</a:t>
+            </a:r>
+          </a:p>
+          <a:p>
+            <a:pPr lvl="1">
+              <a:buFont typeface="Arial" panose="020B0604020202020204" pitchFamily="34" charset="0"/>
+              <a:buChar char="•"/>
+            </a:pPr>
+            <a:r>
+              <a:rPr lang="de-DE" altLang="de-DE" sz="1400" dirty="0" err="1"/>
+              <a:t>Git</a:t>
+            </a:r>
+            <a:r>
+              <a:rPr lang="de-DE" altLang="de-DE" sz="1400" dirty="0"/>
+              <a:t> Remote</a:t>
+            </a:r>
+          </a:p>
+          <a:p>
+            <a:pPr lvl="1">
+              <a:buFont typeface="Arial" panose="020B0604020202020204" pitchFamily="34" charset="0"/>
+              <a:buChar char="•"/>
+            </a:pPr>
+            <a:r>
+              <a:rPr lang="de-DE" altLang="de-DE" sz="1400" dirty="0"/>
+              <a:t>Grundlagen von </a:t>
+            </a:r>
+            <a:r>
+              <a:rPr lang="de-DE" altLang="de-DE" sz="1400" dirty="0" err="1"/>
+              <a:t>GitLab</a:t>
+            </a:r>
+            <a:endParaRPr lang="de-DE" altLang="de-DE" sz="1400" dirty="0"/>
+          </a:p>
+          <a:p>
+            <a:pPr>
+              <a:buFont typeface="Arial" panose="020B0604020202020204" pitchFamily="34" charset="0"/>
+              <a:buChar char="•"/>
+            </a:pPr>
             <a:r>
               <a:rPr lang="de-DE" altLang="de-DE" sz="1800" b="1" dirty="0"/>
-              <a:t>, </a:t>
+              <a:t>Tag 2 – </a:t>
             </a:r>
             <a:r>
               <a:rPr lang="de-DE" altLang="de-DE" sz="1800" b="1" dirty="0" err="1"/>
@@ -10354,7 +10434,15 @@
             </a:r>
             <a:r>
               <a:rPr lang="de-DE" altLang="de-DE" sz="1800" b="1" dirty="0"/>
-              <a:t>-Workflow im Team</a:t>
+              <a:t>-Workflows, CI/CD, </a:t>
+            </a:r>
+            <a:r>
+              <a:rPr lang="de-DE" altLang="de-DE" sz="1800" b="1" dirty="0" err="1"/>
+              <a:t>GitLab</a:t>
+            </a:r>
+            <a:r>
+              <a:rPr lang="de-DE" altLang="de-DE" sz="1800" b="1" dirty="0"/>
+              <a:t> CI </a:t>
             </a:r>
           </a:p>
           <a:p>
@@ -10362,25 +10450,14 @@
               <a:buFont typeface="Arial" panose="020B0604020202020204" pitchFamily="34" charset="0"/>
               <a:buChar char="•"/>
             </a:pPr>
-            <a:r>
-              <a:rPr lang="de-DE" altLang="de-DE" sz="1400" dirty="0"/>
-              <a:t>Einführung &amp; Kursüberblick</a:t>
-            </a:r>
-          </a:p>
-          <a:p>
-            <a:pPr lvl="1">
-              <a:buFont typeface="Arial" panose="020B0604020202020204" pitchFamily="34" charset="0"/>
-              <a:buChar char="•"/>
-            </a:pPr>
-            <a:r>
-              <a:rPr lang="de-DE" altLang="de-DE" sz="1400" dirty="0"/>
-              <a:t>Grundlagen von </a:t>
-            </a:r>
             <a:r>
               <a:rPr lang="de-DE" altLang="de-DE" sz="1400" dirty="0" err="1"/>
               <a:t>Git</a:t>
             </a:r>
-            <a:endParaRPr lang="de-DE" altLang="de-DE" sz="1400" dirty="0"/>
+            <a:r>
+              <a:rPr lang="de-DE" altLang="de-DE" sz="1400" dirty="0"/>
+              <a:t>-Workflow im Team</a:t>
+            </a:r>
           </a:p>
           <a:p>
             <a:pPr lvl="1">
@@ -10389,121 +10466,45 @@
             </a:pPr>
             <a:r>
               <a:rPr lang="de-DE" altLang="de-DE" sz="1400" dirty="0" err="1"/>
-              <a:t>Git</a:t>
+              <a:t>Gitflow</a:t>
             </a:r>
             <a:r>
               <a:rPr lang="de-DE" altLang="de-DE" sz="1400" dirty="0"/>
-              <a:t> </a:t>
-            </a:r>
-            <a:r>
-              <a:rPr lang="de-DE" altLang="de-DE" sz="1400" dirty="0" err="1"/>
-              <a:t>Rebase</a:t>
-            </a:r>
+              <a:t>-Workflow</a:t>
+            </a:r>
+          </a:p>
+          <a:p>
+            <a:pPr lvl="1">
+              <a:buFont typeface="Arial" panose="020B0604020202020204" pitchFamily="34" charset="0"/>
+              <a:buChar char="•"/>
+            </a:pPr>
             <a:r>
               <a:rPr lang="de-DE" altLang="de-DE" sz="1400" dirty="0"/>
-              <a:t> und </a:t>
-            </a:r>
-            <a:r>
-              <a:rPr lang="de-DE" altLang="de-DE" sz="1400" dirty="0" err="1"/>
-              <a:t>Merge</a:t>
-            </a:r>
+              <a:t>Tags, Releases &amp; deren Verwaltung</a:t>
+            </a:r>
+          </a:p>
+          <a:p>
+            <a:pPr lvl="1">
+              <a:buFont typeface="Arial" panose="020B0604020202020204" pitchFamily="34" charset="0"/>
+              <a:buChar char="•"/>
+            </a:pPr>
             <a:r>
               <a:rPr lang="de-DE" altLang="de-DE" sz="1400" dirty="0"/>
-              <a:t>-Strategien</a:t>
-            </a:r>
-          </a:p>
-          <a:p>
-            <a:pPr lvl="1">
-              <a:buFont typeface="Arial" panose="020B0604020202020204" pitchFamily="34" charset="0"/>
-              <a:buChar char="•"/>
-            </a:pPr>
-            <a:r>
-              <a:rPr lang="de-DE" altLang="de-DE" sz="1400" dirty="0" err="1"/>
-              <a:t>Git</a:t>
-            </a:r>
-            <a:r>
-              <a:rPr lang="de-DE" altLang="de-DE" sz="1400" dirty="0"/>
-              <a:t> Remote</a:t>
-            </a:r>
-          </a:p>
-          <a:p>
-            <a:pPr lvl="1">
-              <a:buFont typeface="Arial" panose="020B0604020202020204" pitchFamily="34" charset="0"/>
-              <a:buChar char="•"/>
-            </a:pPr>
-            <a:r>
-              <a:rPr lang="de-DE" altLang="de-DE" sz="1400" dirty="0"/>
-              <a:t>Grundlagen von </a:t>
+              <a:t>Einführung in </a:t>
             </a:r>
             <a:r>
               <a:rPr lang="de-DE" altLang="de-DE" sz="1400" dirty="0" err="1"/>
               <a:t>GitLab</a:t>
             </a:r>
+            <a:r>
+              <a:rPr lang="de-DE" altLang="de-DE" sz="1400" dirty="0"/>
+              <a:t> CI/CD &amp; </a:t>
+            </a:r>
+            <a:r>
+              <a:rPr lang="de-DE" altLang="de-DE" sz="1400" dirty="0" err="1"/>
+              <a:t>gitlab-ci.yml</a:t>
+            </a:r>
             <a:endParaRPr lang="de-DE" altLang="de-DE" sz="1400" dirty="0"/>
-          </a:p>
-          <a:p>
-            <a:pPr lvl="1">
-              <a:buFont typeface="Arial" panose="020B0604020202020204" pitchFamily="34" charset="0"/>
-              <a:buChar char="•"/>
-            </a:pPr>
-            <a:r>
-              <a:rPr lang="de-DE" altLang="de-DE" sz="1400" dirty="0" err="1"/>
-              <a:t>Git</a:t>
-            </a:r>
-            <a:r>
-              <a:rPr lang="de-DE" altLang="de-DE" sz="1400" dirty="0"/>
-              <a:t>-Workflow im Team</a:t>
-            </a:r>
-          </a:p>
-          <a:p>
-            <a:pPr>
-              <a:buFont typeface="Arial" panose="020B0604020202020204" pitchFamily="34" charset="0"/>
-              <a:buChar char="•"/>
-            </a:pPr>
-            <a:r>
-              <a:rPr lang="de-DE" altLang="de-DE" sz="1800" b="1" dirty="0"/>
-              <a:t>Tag 2 – Vertiefung </a:t>
-            </a:r>
-            <a:r>
-              <a:rPr lang="de-DE" altLang="de-DE" sz="1800" b="1" dirty="0" err="1"/>
-              <a:t>Git</a:t>
-            </a:r>
-            <a:r>
-              <a:rPr lang="de-DE" altLang="de-DE" sz="1800" b="1" dirty="0"/>
-              <a:t>-Workflow, CI/CD &amp; </a:t>
-            </a:r>
-            <a:r>
-              <a:rPr lang="de-DE" altLang="de-DE" sz="1800" b="1" dirty="0" err="1"/>
-              <a:t>GitLab</a:t>
-            </a:r>
-            <a:r>
-              <a:rPr lang="de-DE" altLang="de-DE" sz="1800" b="1" dirty="0"/>
-              <a:t> CI </a:t>
-            </a:r>
-          </a:p>
-          <a:p>
-            <a:pPr lvl="1">
-              <a:buFont typeface="Arial" panose="020B0604020202020204" pitchFamily="34" charset="0"/>
-              <a:buChar char="•"/>
-            </a:pPr>
-            <a:r>
-              <a:rPr lang="de-DE" altLang="de-DE" sz="1400" dirty="0" err="1"/>
-              <a:t>Gitflow</a:t>
-            </a:r>
-            <a:r>
-              <a:rPr lang="de-DE" altLang="de-DE" sz="1400" dirty="0"/>
-              <a:t>-Workflow</a:t>
-            </a:r>
-          </a:p>
-          <a:p>
-            <a:pPr lvl="1">
-              <a:buFont typeface="Arial" panose="020B0604020202020204" pitchFamily="34" charset="0"/>
-              <a:buChar char="•"/>
-            </a:pPr>
-            <a:r>
-              <a:rPr lang="de-DE" altLang="de-DE" sz="1400" dirty="0"/>
-              <a:t>Tags, Releases &amp; deren Verwaltung</a:t>
-            </a:r>
           </a:p>
           <a:p>
             <a:pPr lvl="1">
@@ -10516,31 +10517,8 @@
             </a:r>
             <a:r>
               <a:rPr lang="de-DE" altLang="de-DE" sz="1400" dirty="0"/>
-              <a:t>-Runner</a:t>
-            </a:r>
-          </a:p>
-          <a:p>
-            <a:pPr lvl="1">
-              <a:buFont typeface="Arial" panose="020B0604020202020204" pitchFamily="34" charset="0"/>
-              <a:buChar char="•"/>
-            </a:pPr>
-            <a:r>
-              <a:rPr lang="de-DE" altLang="de-DE" sz="1400" dirty="0"/>
-              <a:t>Einführung in </a:t>
-            </a:r>
-            <a:r>
-              <a:rPr lang="de-DE" altLang="de-DE" sz="1400" dirty="0" err="1"/>
-              <a:t>GitLab</a:t>
-            </a:r>
-            <a:r>
-              <a:rPr lang="de-DE" altLang="de-DE" sz="1400" dirty="0"/>
-              <a:t> CI/CD &amp; </a:t>
-            </a:r>
-            <a:r>
-              <a:rPr lang="de-DE" altLang="de-DE" sz="1400" dirty="0" err="1"/>
-              <a:t>gitlab.yml</a:t>
-            </a:r>
-            <a:endParaRPr lang="de-DE" altLang="de-DE" sz="1400" dirty="0"/>
+              <a:t> Runner</a:t>
+            </a:r>
           </a:p>
           <a:p>
             <a:pPr>
@@ -10557,7 +10535,7 @@
             </a:r>
             <a:r>
               <a:rPr lang="de-DE" altLang="de-DE" sz="1800" b="1" dirty="0"/>
-              <a:t>, Docker in der Entwicklung und </a:t>
+              <a:t>, Docker, </a:t>
             </a:r>
             <a:r>
               <a:rPr lang="de-DE" altLang="de-DE" sz="1800" b="1" dirty="0" err="1"/>
@@ -10589,7 +10567,7 @@
             </a:pPr>
             <a:r>
               <a:rPr lang="de-DE" altLang="de-DE" sz="1400" dirty="0"/>
-              <a:t>Lokale Entwicklung mit Docker</a:t>
+              <a:t>Entwicklung mit Docker</a:t>
             </a:r>
           </a:p>
           <a:p>
@@ -10691,11 +10669,6 @@
         </p:txBody>
       </p:sp>
     </p:spTree>
-    <p:extLst>
-      <p:ext uri="{BB962C8B-B14F-4D97-AF65-F5344CB8AC3E}">
-        <p14:creationId xmlns:p14="http://schemas.microsoft.com/office/powerpoint/2010/main" val="954423341"/>
-      </p:ext>
-    </p:extLst>
   </p:cSld>
   <p:clrMapOvr>
     <a:masterClrMapping/>

--- a/slides/Tag-3_3-Container-Registry.pptx
+++ b/slides/Tag-3_3-Container-Registry.pptx
@@ -1288,7 +1288,7 @@
           <a:p>
             <a:r>
               <a:rPr lang="de-DE" dirty="0"/>
-              <a:t>Hier sieht man auch mal den Speicherverbrau des Images ganz gut.</a:t>
+              <a:t>Hier sieht man auch mal den Speicherverbrauch des Images ganz gut.</a:t>
             </a:r>
           </a:p>
         </p:txBody>
@@ -2621,7 +2621,7 @@
               <a:pPr algn="ctr">
                 <a:defRPr/>
               </a:pPr>
-              <a:t>18.06.2024</a:t>
+              <a:t>19.06.2024</a:t>
             </a:fld>
             <a:endParaRPr lang="de-DE" sz="1000">
               <a:solidFill>
@@ -5047,7 +5047,7 @@
                 </a:solidFill>
                 <a:latin typeface="Consolas" panose="020B0609020204030204" pitchFamily="49" charset="0"/>
               </a:rPr>
-              <a:t>&lt;namespace&gt;</a:t>
+              <a:t>&lt;group&gt;</a:t>
             </a:r>
             <a:r>
               <a:rPr lang="en-US" sz="2000" dirty="0">
@@ -5104,7 +5104,7 @@
                 <a:effectLst/>
                 <a:latin typeface="GitLab Mono"/>
               </a:rPr>
-              <a:t>mynamespace</a:t>
+              <a:t>mygroup</a:t>
             </a:r>
             <a:r>
               <a:rPr lang="de-DE" b="0" i="0" dirty="0">
@@ -5194,9 +5194,50 @@
             </a:pPr>
             <a:r>
               <a:rPr lang="nl-NL" sz="1800" dirty="0">
+                <a:solidFill>
+                  <a:srgbClr val="FF0000"/>
+                </a:solidFill>
                 <a:sym typeface="Wingdings" panose="05000000000000000000" pitchFamily="2" charset="2"/>
               </a:rPr>
-              <a:t>gitlab.ads.anderscore.com/trainings/gitlab:some-tag</a:t>
+              <a:t>gitlab.ads.anderscore.com</a:t>
+            </a:r>
+            <a:r>
+              <a:rPr lang="nl-NL" sz="1800" dirty="0">
+                <a:sym typeface="Wingdings" panose="05000000000000000000" pitchFamily="2" charset="2"/>
+              </a:rPr>
+              <a:t>/</a:t>
+            </a:r>
+            <a:r>
+              <a:rPr lang="nl-NL" sz="1800" dirty="0">
+                <a:solidFill>
+                  <a:srgbClr val="002060"/>
+                </a:solidFill>
+                <a:sym typeface="Wingdings" panose="05000000000000000000" pitchFamily="2" charset="2"/>
+              </a:rPr>
+              <a:t>trainings</a:t>
+            </a:r>
+            <a:r>
+              <a:rPr lang="nl-NL" sz="1800" dirty="0">
+                <a:sym typeface="Wingdings" panose="05000000000000000000" pitchFamily="2" charset="2"/>
+              </a:rPr>
+              <a:t>/</a:t>
+            </a:r>
+            <a:r>
+              <a:rPr lang="nl-NL" sz="1800" dirty="0">
+                <a:solidFill>
+                  <a:schemeClr val="accent6">
+                    <a:lumMod val="75000"/>
+                  </a:schemeClr>
+                </a:solidFill>
+                <a:sym typeface="Wingdings" panose="05000000000000000000" pitchFamily="2" charset="2"/>
+              </a:rPr>
+              <a:t>gitlab</a:t>
+            </a:r>
+            <a:r>
+              <a:rPr lang="nl-NL" sz="1800" dirty="0">
+                <a:sym typeface="Wingdings" panose="05000000000000000000" pitchFamily="2" charset="2"/>
+              </a:rPr>
+              <a:t>:some-tag</a:t>
             </a:r>
           </a:p>
           <a:p>
@@ -5206,9 +5247,50 @@
             </a:pPr>
             <a:r>
               <a:rPr lang="nl-NL" sz="1800" dirty="0">
+                <a:solidFill>
+                  <a:srgbClr val="FF0000"/>
+                </a:solidFill>
                 <a:sym typeface="Wingdings" panose="05000000000000000000" pitchFamily="2" charset="2"/>
               </a:rPr>
-              <a:t>gitlab.ads.anderscore.com/trainings/gitlab/image:latest</a:t>
+              <a:t>gitlab.ads.anderscore.com</a:t>
+            </a:r>
+            <a:r>
+              <a:rPr lang="nl-NL" sz="1800" dirty="0">
+                <a:sym typeface="Wingdings" panose="05000000000000000000" pitchFamily="2" charset="2"/>
+              </a:rPr>
+              <a:t>/</a:t>
+            </a:r>
+            <a:r>
+              <a:rPr lang="nl-NL" sz="1800" dirty="0">
+                <a:solidFill>
+                  <a:srgbClr val="002060"/>
+                </a:solidFill>
+                <a:sym typeface="Wingdings" panose="05000000000000000000" pitchFamily="2" charset="2"/>
+              </a:rPr>
+              <a:t>trainings</a:t>
+            </a:r>
+            <a:r>
+              <a:rPr lang="nl-NL" sz="1800" dirty="0">
+                <a:sym typeface="Wingdings" panose="05000000000000000000" pitchFamily="2" charset="2"/>
+              </a:rPr>
+              <a:t>/</a:t>
+            </a:r>
+            <a:r>
+              <a:rPr lang="nl-NL" sz="1800" dirty="0">
+                <a:solidFill>
+                  <a:schemeClr val="accent6">
+                    <a:lumMod val="75000"/>
+                  </a:schemeClr>
+                </a:solidFill>
+                <a:sym typeface="Wingdings" panose="05000000000000000000" pitchFamily="2" charset="2"/>
+              </a:rPr>
+              <a:t>gitlab</a:t>
+            </a:r>
+            <a:r>
+              <a:rPr lang="nl-NL" sz="1800" dirty="0">
+                <a:sym typeface="Wingdings" panose="05000000000000000000" pitchFamily="2" charset="2"/>
+              </a:rPr>
+              <a:t>/image:latest</a:t>
             </a:r>
           </a:p>
           <a:p>
@@ -5218,9 +5300,50 @@
             </a:pPr>
             <a:r>
               <a:rPr lang="nl-NL" sz="1800" dirty="0">
+                <a:solidFill>
+                  <a:srgbClr val="FF0000"/>
+                </a:solidFill>
                 <a:sym typeface="Wingdings" panose="05000000000000000000" pitchFamily="2" charset="2"/>
               </a:rPr>
-              <a:t>gitlab.ads.anderscore.com/trainings/gitlab/my/image:rc1</a:t>
+              <a:t>gitlab.ads.anderscore.com</a:t>
+            </a:r>
+            <a:r>
+              <a:rPr lang="nl-NL" sz="1800" dirty="0">
+                <a:sym typeface="Wingdings" panose="05000000000000000000" pitchFamily="2" charset="2"/>
+              </a:rPr>
+              <a:t>/</a:t>
+            </a:r>
+            <a:r>
+              <a:rPr lang="nl-NL" sz="1800" dirty="0">
+                <a:solidFill>
+                  <a:srgbClr val="002060"/>
+                </a:solidFill>
+                <a:sym typeface="Wingdings" panose="05000000000000000000" pitchFamily="2" charset="2"/>
+              </a:rPr>
+              <a:t>trainings</a:t>
+            </a:r>
+            <a:r>
+              <a:rPr lang="nl-NL" sz="1800" dirty="0">
+                <a:sym typeface="Wingdings" panose="05000000000000000000" pitchFamily="2" charset="2"/>
+              </a:rPr>
+              <a:t>/</a:t>
+            </a:r>
+            <a:r>
+              <a:rPr lang="nl-NL" sz="1800" dirty="0">
+                <a:solidFill>
+                  <a:schemeClr val="accent6">
+                    <a:lumMod val="75000"/>
+                  </a:schemeClr>
+                </a:solidFill>
+                <a:sym typeface="Wingdings" panose="05000000000000000000" pitchFamily="2" charset="2"/>
+              </a:rPr>
+              <a:t>gitlab</a:t>
+            </a:r>
+            <a:r>
+              <a:rPr lang="nl-NL" sz="1800" dirty="0">
+                <a:sym typeface="Wingdings" panose="05000000000000000000" pitchFamily="2" charset="2"/>
+              </a:rPr>
+              <a:t>/my/image:rc1</a:t>
             </a:r>
             <a:endParaRPr lang="nl-NL" sz="1800" dirty="0"/>
           </a:p>
@@ -8287,13 +8410,25 @@
               <a:rPr lang="de-DE" dirty="0">
                 <a:sym typeface="Wingdings" panose="05000000000000000000" pitchFamily="2" charset="2"/>
               </a:rPr>
-              <a:t>Bad </a:t>
+              <a:t>Bad Practice</a:t>
+            </a:r>
+          </a:p>
+          <a:p>
+            <a:pPr lvl="1">
+              <a:buFont typeface="Arial" panose="020B0604020202020204" pitchFamily="34" charset="0"/>
+              <a:buChar char="•"/>
+            </a:pPr>
+            <a:r>
+              <a:rPr lang="de-DE" dirty="0">
+                <a:sym typeface="Wingdings" panose="05000000000000000000" pitchFamily="2" charset="2"/>
+              </a:rPr>
+              <a:t>Keine Version  z.B. </a:t>
             </a:r>
             <a:r>
               <a:rPr lang="de-DE" dirty="0" err="1">
                 <a:sym typeface="Wingdings" panose="05000000000000000000" pitchFamily="2" charset="2"/>
               </a:rPr>
-              <a:t>practice</a:t>
+              <a:t>docker</a:t>
             </a:r>
             <a:endParaRPr lang="de-DE" dirty="0">
               <a:sym typeface="Wingdings" panose="05000000000000000000" pitchFamily="2" charset="2"/>
@@ -8305,16 +8440,22 @@
               <a:buChar char="•"/>
             </a:pPr>
             <a:r>
+              <a:rPr lang="de-DE" dirty="0" err="1">
+                <a:sym typeface="Wingdings" panose="05000000000000000000" pitchFamily="2" charset="2"/>
+              </a:rPr>
+              <a:t>Latest</a:t>
+            </a:r>
+            <a:r>
               <a:rPr lang="de-DE" dirty="0">
                 <a:sym typeface="Wingdings" panose="05000000000000000000" pitchFamily="2" charset="2"/>
               </a:rPr>
-              <a:t>Keine Version  z.B. </a:t>
+              <a:t> tag  z.B. </a:t>
             </a:r>
             <a:r>
               <a:rPr lang="de-DE" dirty="0" err="1">
                 <a:sym typeface="Wingdings" panose="05000000000000000000" pitchFamily="2" charset="2"/>
               </a:rPr>
-              <a:t>docker</a:t>
+              <a:t>docker:latest</a:t>
             </a:r>
             <a:endParaRPr lang="de-DE" dirty="0">
               <a:sym typeface="Wingdings" panose="05000000000000000000" pitchFamily="2" charset="2"/>
@@ -8329,7 +8470,7 @@
               <a:rPr lang="de-DE" dirty="0" err="1">
                 <a:sym typeface="Wingdings" panose="05000000000000000000" pitchFamily="2" charset="2"/>
               </a:rPr>
-              <a:t>Latest</a:t>
+              <a:t>Stable</a:t>
             </a:r>
             <a:r>
               <a:rPr lang="de-DE" dirty="0">
@@ -8341,7 +8482,7 @@
               <a:rPr lang="de-DE" dirty="0" err="1">
                 <a:sym typeface="Wingdings" panose="05000000000000000000" pitchFamily="2" charset="2"/>
               </a:rPr>
-              <a:t>docker:latest</a:t>
+              <a:t>docker:stable</a:t>
             </a:r>
             <a:endParaRPr lang="de-DE" dirty="0">
               <a:sym typeface="Wingdings" panose="05000000000000000000" pitchFamily="2" charset="2"/>
@@ -8353,49 +8494,22 @@
               <a:buChar char="•"/>
             </a:pPr>
             <a:r>
-              <a:rPr lang="de-DE" dirty="0" err="1">
-                <a:sym typeface="Wingdings" panose="05000000000000000000" pitchFamily="2" charset="2"/>
-              </a:rPr>
-              <a:t>Stable</a:t>
-            </a:r>
-            <a:r>
               <a:rPr lang="de-DE" dirty="0">
                 <a:sym typeface="Wingdings" panose="05000000000000000000" pitchFamily="2" charset="2"/>
               </a:rPr>
-              <a:t> tag  z.B. </a:t>
-            </a:r>
-            <a:r>
-              <a:rPr lang="de-DE" dirty="0" err="1">
-                <a:sym typeface="Wingdings" panose="05000000000000000000" pitchFamily="2" charset="2"/>
-              </a:rPr>
-              <a:t>docker:stable</a:t>
-            </a:r>
+              <a:t>Major Version  z.B. docker:26</a:t>
+            </a:r>
+          </a:p>
+          <a:p>
+            <a:pPr lvl="1">
+              <a:buFont typeface="Arial" panose="020B0604020202020204" pitchFamily="34" charset="0"/>
+              <a:buChar char="•"/>
+            </a:pPr>
             <a:endParaRPr lang="de-DE" dirty="0">
               <a:sym typeface="Wingdings" panose="05000000000000000000" pitchFamily="2" charset="2"/>
             </a:endParaRPr>
           </a:p>
           <a:p>
-            <a:pPr lvl="1">
-              <a:buFont typeface="Arial" panose="020B0604020202020204" pitchFamily="34" charset="0"/>
-              <a:buChar char="•"/>
-            </a:pPr>
-            <a:r>
-              <a:rPr lang="de-DE" dirty="0">
-                <a:sym typeface="Wingdings" panose="05000000000000000000" pitchFamily="2" charset="2"/>
-              </a:rPr>
-              <a:t>Major Version  z.B. docker:26</a:t>
-            </a:r>
-          </a:p>
-          <a:p>
-            <a:pPr lvl="1">
-              <a:buFont typeface="Arial" panose="020B0604020202020204" pitchFamily="34" charset="0"/>
-              <a:buChar char="•"/>
-            </a:pPr>
-            <a:endParaRPr lang="de-DE" dirty="0">
-              <a:sym typeface="Wingdings" panose="05000000000000000000" pitchFamily="2" charset="2"/>
-            </a:endParaRPr>
-          </a:p>
-          <a:p>
             <a:pPr>
               <a:buFont typeface="Arial" panose="020B0604020202020204" pitchFamily="34" charset="0"/>
               <a:buChar char="•"/>
@@ -8410,17 +8524,8 @@
               <a:rPr lang="de-DE" dirty="0">
                 <a:sym typeface="Wingdings" panose="05000000000000000000" pitchFamily="2" charset="2"/>
               </a:rPr>
-              <a:t> </a:t>
-            </a:r>
-            <a:r>
-              <a:rPr lang="de-DE" dirty="0" err="1">
-                <a:sym typeface="Wingdings" panose="05000000000000000000" pitchFamily="2" charset="2"/>
-              </a:rPr>
-              <a:t>practice</a:t>
-            </a:r>
-            <a:endParaRPr lang="de-DE" dirty="0">
-              <a:sym typeface="Wingdings" panose="05000000000000000000" pitchFamily="2" charset="2"/>
-            </a:endParaRPr>
+              <a:t> Practice</a:t>
+            </a:r>
           </a:p>
           <a:p>
             <a:pPr lvl="1">
@@ -13781,6 +13886,16 @@
               <a:buFont typeface="Arial" panose="020B0604020202020204" pitchFamily="34" charset="0"/>
               <a:buChar char="•"/>
             </a:pPr>
+            <a:r>
+              <a:rPr lang="de-DE" dirty="0"/>
+              <a:t>Default Registry von Docker</a:t>
+            </a:r>
+          </a:p>
+          <a:p>
+            <a:pPr lvl="1">
+              <a:buFont typeface="Arial" panose="020B0604020202020204" pitchFamily="34" charset="0"/>
+              <a:buChar char="•"/>
+            </a:pPr>
             <a:endParaRPr lang="de-DE" dirty="0"/>
           </a:p>
           <a:p>
@@ -13822,15 +13937,7 @@
             </a:pPr>
             <a:r>
               <a:rPr lang="de-DE" dirty="0"/>
-              <a:t>Verwendung eigener Docker Images für </a:t>
-            </a:r>
-            <a:r>
-              <a:rPr lang="de-DE" dirty="0" err="1"/>
-              <a:t>GitLab</a:t>
-            </a:r>
-            <a:r>
-              <a:rPr lang="de-DE" dirty="0"/>
-              <a:t> CI Pipeline möglich</a:t>
+              <a:t>Verwendung eigener Docker Images für CI Pipelines möglich</a:t>
             </a:r>
           </a:p>
           <a:p>
@@ -14068,13 +14175,8 @@
             </a:pPr>
             <a:r>
               <a:rPr lang="de-DE" dirty="0"/>
-              <a:t>Container Registry entspricht OCI </a:t>
-            </a:r>
-            <a:r>
-              <a:rPr lang="de-DE" dirty="0" err="1"/>
-              <a:t>Verteilungspezifikation</a:t>
-            </a:r>
-            <a:endParaRPr lang="de-DE" dirty="0"/>
+              <a:t>Container Registry entspricht OCI Verteilungsspezifikation</a:t>
+            </a:r>
           </a:p>
         </p:txBody>
       </p:sp>
